--- a/OSu/Chap07.pptx
+++ b/OSu/Chap07.pptx
@@ -12043,8 +12043,16 @@
               <a:t>“</a:t>
             </a:r>
             <a:r>
+              <a:rPr lang="en-US" altLang="en-US" sz="2400" dirty="0">
+                <a:solidFill>
+                  <a:srgbClr val="0000FF"/>
+                </a:solidFill>
+              </a:rPr>
+              <a:t>First reader-writer</a:t>
+            </a:r>
+            <a:r>
               <a:rPr lang="en-US" altLang="en-US" sz="2400" dirty="0"/>
-              <a:t>First reader-writer” </a:t>
+              <a:t>” </a:t>
             </a:r>
             <a:r>
               <a:rPr lang="en-US" altLang="en-US" sz="2400" dirty="0" smtClean="0"/>
@@ -12055,7 +12063,19 @@
           <a:p>
             <a:r>
               <a:rPr lang="en-US" altLang="en-US" sz="2400" dirty="0"/>
-              <a:t>The “Second reader-writer” problem is </a:t>
+              <a:t>The “</a:t>
+            </a:r>
+            <a:r>
+              <a:rPr lang="en-US" altLang="en-US" sz="2400" dirty="0">
+                <a:solidFill>
+                  <a:srgbClr val="0000FF"/>
+                </a:solidFill>
+              </a:rPr>
+              <a:t>Second reader-writer</a:t>
+            </a:r>
+            <a:r>
+              <a:rPr lang="en-US" altLang="en-US" sz="2400" dirty="0"/>
+              <a:t>” problem is </a:t>
             </a:r>
             <a:r>
               <a:rPr lang="en-US" altLang="en-US" sz="2400" dirty="0" smtClean="0"/>
@@ -12585,6 +12605,12 @@
               </a:rPr>
               <a:t>while (true){ </a:t>
             </a:r>
+            <a:endParaRPr lang="en-US" altLang="en-US" dirty="0" smtClean="0">
+              <a:solidFill>
+                <a:srgbClr val="000000"/>
+              </a:solidFill>
+              <a:latin typeface="Courier New" panose="02070309020205020404" pitchFamily="49" charset="0"/>
+            </a:endParaRPr>
           </a:p>
           <a:p>
             <a:pPr marL="1195388" lvl="2" indent="-338138">
@@ -12607,7 +12633,7 @@
                 </a:solidFill>
                 <a:latin typeface="Courier New" panose="02070309020205020404" pitchFamily="49" charset="0"/>
               </a:rPr>
-              <a:t>   wait </a:t>
+              <a:t>	 wait </a:t>
             </a:r>
             <a:r>
               <a:rPr lang="en-US" altLang="en-US" b="1" dirty="0">
@@ -17572,7 +17598,13 @@
           <a:lstStyle/>
           <a:p>
             <a:r>
-              <a:rPr lang="en-US" altLang="en-US"/>
+              <a:rPr lang="en-US" altLang="en-US" dirty="0">
+                <a:solidFill>
+                  <a:schemeClr val="bg1">
+                    <a:lumMod val="85000"/>
+                  </a:schemeClr>
+                </a:solidFill>
+              </a:rPr>
               <a:t>Java Monitors</a:t>
             </a:r>
           </a:p>
@@ -17601,8 +17633,13 @@
           <a:p>
             <a:r>
               <a:rPr lang="en-US" altLang="en-US" sz="2400" dirty="0"/>
-              <a:t>Every Java object has associated with it a single lock.</a:t>
-            </a:r>
+              <a:t>Every Java object has associated with it a single </a:t>
+            </a:r>
+            <a:r>
+              <a:rPr lang="en-US" altLang="en-US" sz="2400" dirty="0" smtClean="0"/>
+              <a:t>lock</a:t>
+            </a:r>
+            <a:endParaRPr lang="en-US" altLang="en-US" sz="2400" dirty="0"/>
           </a:p>
           <a:p>
             <a:r>
@@ -17618,14 +17655,24 @@
             </a:r>
             <a:r>
               <a:rPr lang="en-US" altLang="en-US" sz="2400" dirty="0"/>
-              <a:t>, a calling thread must own the lock for the object.</a:t>
-            </a:r>
+              <a:t>, a calling thread must own the lock for the </a:t>
+            </a:r>
+            <a:r>
+              <a:rPr lang="en-US" altLang="en-US" sz="2400" dirty="0" smtClean="0"/>
+              <a:t>object</a:t>
+            </a:r>
+            <a:endParaRPr lang="en-US" altLang="en-US" sz="2400" dirty="0"/>
           </a:p>
           <a:p>
             <a:r>
               <a:rPr lang="en-US" altLang="en-US" sz="2400" dirty="0"/>
-              <a:t>If the lock is owned by another thread, the calling thread must wait for the lock until it is released.</a:t>
-            </a:r>
+              <a:t>If the lock is owned by another thread, the calling thread must wait for the lock until it is </a:t>
+            </a:r>
+            <a:r>
+              <a:rPr lang="en-US" altLang="en-US" sz="2400" dirty="0" smtClean="0"/>
+              <a:t>released</a:t>
+            </a:r>
+            <a:endParaRPr lang="en-US" altLang="en-US" sz="2400" dirty="0"/>
           </a:p>
           <a:p>
             <a:r>
@@ -17641,8 +17688,13 @@
             </a:r>
             <a:r>
               <a:rPr lang="en-US" altLang="en-US" sz="2400" dirty="0"/>
-              <a:t> method.</a:t>
-            </a:r>
+              <a:t> </a:t>
+            </a:r>
+            <a:r>
+              <a:rPr lang="en-US" altLang="en-US" sz="2400" dirty="0" smtClean="0"/>
+              <a:t>method</a:t>
+            </a:r>
+            <a:endParaRPr lang="en-US" altLang="en-US" sz="2400" dirty="0"/>
           </a:p>
         </p:txBody>
       </p:sp>
@@ -17819,15 +17871,33 @@
           <a:lstStyle/>
           <a:p>
             <a:r>
-              <a:rPr lang="en-US" altLang="en-US" sz="3000" dirty="0"/>
+              <a:rPr lang="en-US" altLang="en-US" sz="3000" dirty="0">
+                <a:solidFill>
+                  <a:schemeClr val="bg1">
+                    <a:lumMod val="85000"/>
+                  </a:schemeClr>
+                </a:solidFill>
+              </a:rPr>
               <a:t>Bounded Buffer – </a:t>
             </a:r>
             <a:r>
-              <a:rPr kumimoji="1" lang="en-US" altLang="en-US" dirty="0"/>
+              <a:rPr kumimoji="1" lang="en-US" altLang="en-US" dirty="0">
+                <a:solidFill>
+                  <a:schemeClr val="bg1">
+                    <a:lumMod val="85000"/>
+                  </a:schemeClr>
+                </a:solidFill>
+              </a:rPr>
               <a:t>Java</a:t>
             </a:r>
             <a:r>
-              <a:rPr lang="en-US" altLang="en-US" sz="3000" dirty="0"/>
+              <a:rPr lang="en-US" altLang="en-US" sz="3000" dirty="0">
+                <a:solidFill>
+                  <a:schemeClr val="bg1">
+                    <a:lumMod val="85000"/>
+                  </a:schemeClr>
+                </a:solidFill>
+              </a:rPr>
               <a:t> Synchronization</a:t>
             </a:r>
           </a:p>
@@ -17940,7 +18010,13 @@
           <a:lstStyle/>
           <a:p>
             <a:r>
-              <a:rPr lang="en-US" altLang="en-US"/>
+              <a:rPr lang="en-US" altLang="en-US" dirty="0">
+                <a:solidFill>
+                  <a:schemeClr val="bg1">
+                    <a:lumMod val="85000"/>
+                  </a:schemeClr>
+                </a:solidFill>
+              </a:rPr>
               <a:t>Java Synchronization</a:t>
             </a:r>
           </a:p>
@@ -18089,7 +18165,13 @@
           <a:lstStyle/>
           <a:p>
             <a:r>
-              <a:rPr lang="en-US" altLang="en-US"/>
+              <a:rPr lang="en-US" altLang="en-US" dirty="0">
+                <a:solidFill>
+                  <a:schemeClr val="bg1">
+                    <a:lumMod val="85000"/>
+                  </a:schemeClr>
+                </a:solidFill>
+              </a:rPr>
               <a:t>Java Synchronization</a:t>
             </a:r>
           </a:p>
@@ -18295,7 +18377,13 @@
           <a:lstStyle/>
           <a:p>
             <a:r>
-              <a:rPr lang="en-US" altLang="en-US"/>
+              <a:rPr lang="en-US" altLang="en-US" dirty="0">
+                <a:solidFill>
+                  <a:schemeClr val="bg1">
+                    <a:lumMod val="85000"/>
+                  </a:schemeClr>
+                </a:solidFill>
+              </a:rPr>
               <a:t>Java Synchronization</a:t>
             </a:r>
           </a:p>
@@ -18335,8 +18423,13 @@
             </a:r>
             <a:r>
               <a:rPr lang="en-US" sz="2400" dirty="0"/>
-              <a:t>become true.</a:t>
-            </a:r>
+              <a:t>become </a:t>
+            </a:r>
+            <a:r>
+              <a:rPr lang="en-US" sz="2400" dirty="0" smtClean="0"/>
+              <a:t>true</a:t>
+            </a:r>
+            <a:endParaRPr lang="en-US" sz="2400" dirty="0"/>
           </a:p>
           <a:p>
             <a:pPr>
@@ -18398,8 +18491,13 @@
             </a:pPr>
             <a:r>
               <a:rPr lang="en-US" sz="2400" dirty="0"/>
-              <a:t>Set the state of T from blocked to runnable.</a:t>
-            </a:r>
+              <a:t>Set the state of T from blocked to </a:t>
+            </a:r>
+            <a:r>
+              <a:rPr lang="en-US" sz="2400" dirty="0" smtClean="0"/>
+              <a:t>runnable</a:t>
+            </a:r>
+            <a:endParaRPr lang="en-US" sz="2400" dirty="0"/>
           </a:p>
           <a:p>
             <a:pPr>
@@ -18407,8 +18505,13 @@
             </a:pPr>
             <a:r>
               <a:rPr lang="en-US" sz="2400" dirty="0"/>
-              <a:t>T can now compete for the lock to check if the condition it was waiting for is now true.</a:t>
-            </a:r>
+              <a:t>T can now compete for the lock to check if the condition it was waiting for is now </a:t>
+            </a:r>
+            <a:r>
+              <a:rPr lang="en-US" sz="2400" dirty="0" smtClean="0"/>
+              <a:t>true</a:t>
+            </a:r>
+            <a:endParaRPr lang="en-US" sz="2400" dirty="0"/>
           </a:p>
         </p:txBody>
       </p:sp>
@@ -18464,11 +18567,23 @@
           <a:lstStyle/>
           <a:p>
             <a:r>
-              <a:rPr lang="en-US" altLang="en-US" dirty="0"/>
+              <a:rPr lang="en-US" altLang="en-US" dirty="0">
+                <a:solidFill>
+                  <a:schemeClr val="bg1">
+                    <a:lumMod val="85000"/>
+                  </a:schemeClr>
+                </a:solidFill>
+              </a:rPr>
               <a:t>Bounded Buffer – Java </a:t>
             </a:r>
             <a:r>
-              <a:rPr lang="en-US" altLang="en-US" sz="3000" dirty="0"/>
+              <a:rPr lang="en-US" altLang="en-US" sz="3000" dirty="0">
+                <a:solidFill>
+                  <a:schemeClr val="bg1">
+                    <a:lumMod val="85000"/>
+                  </a:schemeClr>
+                </a:solidFill>
+              </a:rPr>
               <a:t>Synchronization</a:t>
             </a:r>
           </a:p>
@@ -18646,11 +18761,23 @@
           <a:lstStyle/>
           <a:p>
             <a:r>
-              <a:rPr lang="en-US" altLang="en-US" dirty="0"/>
+              <a:rPr lang="en-US" altLang="en-US" dirty="0">
+                <a:solidFill>
+                  <a:schemeClr val="bg1">
+                    <a:lumMod val="85000"/>
+                  </a:schemeClr>
+                </a:solidFill>
+              </a:rPr>
               <a:t>Bounded Buffer – Java </a:t>
             </a:r>
             <a:r>
-              <a:rPr lang="en-US" altLang="en-US" sz="3000" dirty="0"/>
+              <a:rPr lang="en-US" altLang="en-US" sz="3000" dirty="0">
+                <a:solidFill>
+                  <a:schemeClr val="bg1">
+                    <a:lumMod val="85000"/>
+                  </a:schemeClr>
+                </a:solidFill>
+              </a:rPr>
               <a:t>Synchronization</a:t>
             </a:r>
           </a:p>
@@ -18708,7 +18835,13 @@
           <a:lstStyle/>
           <a:p>
             <a:r>
-              <a:rPr lang="en-US" altLang="en-US" dirty="0"/>
+              <a:rPr lang="en-US" altLang="en-US" dirty="0">
+                <a:solidFill>
+                  <a:schemeClr val="bg1">
+                    <a:lumMod val="85000"/>
+                  </a:schemeClr>
+                </a:solidFill>
+              </a:rPr>
               <a:t>Java Reentrant Locks</a:t>
             </a:r>
           </a:p>
@@ -18773,8 +18906,13 @@
             </a:r>
             <a:r>
               <a:rPr lang="en-US" altLang="en-US" sz="2400" dirty="0"/>
-              <a:t> block.</a:t>
-            </a:r>
+              <a:t> </a:t>
+            </a:r>
+            <a:r>
+              <a:rPr lang="en-US" altLang="en-US" sz="2400" dirty="0" smtClean="0"/>
+              <a:t>block</a:t>
+            </a:r>
+            <a:endParaRPr lang="en-US" altLang="en-US" sz="2400" dirty="0"/>
           </a:p>
           <a:p>
             <a:endParaRPr lang="en-US" altLang="en-US" dirty="0"/>
@@ -18893,7 +19031,13 @@
           <a:lstStyle/>
           <a:p>
             <a:r>
-              <a:rPr lang="en-US" altLang="en-US" dirty="0"/>
+              <a:rPr lang="en-US" altLang="en-US" dirty="0">
+                <a:solidFill>
+                  <a:schemeClr val="bg1">
+                    <a:lumMod val="85000"/>
+                  </a:schemeClr>
+                </a:solidFill>
+              </a:rPr>
               <a:t>Java Semaphores</a:t>
             </a:r>
           </a:p>
@@ -19119,7 +19263,13 @@
           <a:lstStyle/>
           <a:p>
             <a:r>
-              <a:rPr lang="en-US" altLang="en-US" dirty="0"/>
+              <a:rPr lang="en-US" altLang="en-US" dirty="0">
+                <a:solidFill>
+                  <a:schemeClr val="bg1">
+                    <a:lumMod val="85000"/>
+                  </a:schemeClr>
+                </a:solidFill>
+              </a:rPr>
               <a:t>Java Condition Variables</a:t>
             </a:r>
           </a:p>
@@ -19240,8 +19390,13 @@
             </a:r>
             <a:r>
               <a:rPr lang="en-US" altLang="en-US" sz="2400" dirty="0"/>
-              <a:t> method.</a:t>
-            </a:r>
+              <a:t> </a:t>
+            </a:r>
+            <a:r>
+              <a:rPr lang="en-US" altLang="en-US" sz="2400" dirty="0" smtClean="0"/>
+              <a:t>method</a:t>
+            </a:r>
+            <a:endParaRPr lang="en-US" altLang="en-US" sz="2400" dirty="0"/>
           </a:p>
           <a:p>
             <a:endParaRPr lang="en-US" altLang="en-US" dirty="0"/>
@@ -19355,7 +19510,13 @@
           <a:lstStyle/>
           <a:p>
             <a:r>
-              <a:rPr lang="en-US" altLang="en-US" dirty="0"/>
+              <a:rPr lang="en-US" altLang="en-US" dirty="0">
+                <a:solidFill>
+                  <a:schemeClr val="bg1">
+                    <a:lumMod val="85000"/>
+                  </a:schemeClr>
+                </a:solidFill>
+              </a:rPr>
               <a:t>Java Condition Variables</a:t>
             </a:r>
           </a:p>
@@ -19412,8 +19573,13 @@
             </a:r>
             <a:r>
               <a:rPr lang="en-US" altLang="en-US" sz="2000" dirty="0"/>
-              <a:t> indicating which thread’s turn it is.</a:t>
-            </a:r>
+              <a:t> indicating which thread’s turn it </a:t>
+            </a:r>
+            <a:r>
+              <a:rPr lang="en-US" altLang="en-US" sz="2000" dirty="0" smtClean="0"/>
+              <a:t>is</a:t>
+            </a:r>
+            <a:endParaRPr lang="en-US" altLang="en-US" sz="2000" dirty="0"/>
           </a:p>
           <a:p>
             <a:r>
@@ -19436,8 +19602,13 @@
             </a:r>
             <a:r>
               <a:rPr lang="en-US" altLang="en-US" sz="2000" dirty="0"/>
-              <a:t> when it wishes to do some work. (But it may only do work if it is their turn.</a:t>
-            </a:r>
+              <a:t> when it wishes to do some work. (But it may only do work if it is their </a:t>
+            </a:r>
+            <a:r>
+              <a:rPr lang="en-US" altLang="en-US" sz="2000" dirty="0" smtClean="0"/>
+              <a:t>turn</a:t>
+            </a:r>
+            <a:endParaRPr lang="en-US" altLang="en-US" sz="2000" dirty="0"/>
           </a:p>
           <a:p>
             <a:r>
@@ -19458,8 +19629,13 @@
           <a:p>
             <a:r>
               <a:rPr lang="is-IS" altLang="en-US" sz="2000" dirty="0"/>
-              <a:t>When completed, notify the thread whose turn is next.</a:t>
-            </a:r>
+              <a:t>When completed, notify the thread whose turn is </a:t>
+            </a:r>
+            <a:r>
+              <a:rPr lang="is-IS" altLang="en-US" sz="2000" dirty="0" smtClean="0"/>
+              <a:t>next</a:t>
+            </a:r>
+            <a:endParaRPr lang="is-IS" altLang="en-US" sz="2000" dirty="0"/>
           </a:p>
           <a:p>
             <a:r>
@@ -19951,7 +20127,13 @@
           <a:lstStyle/>
           <a:p>
             <a:r>
-              <a:rPr lang="en-US" altLang="en-US"/>
+              <a:rPr lang="en-US" altLang="en-US" dirty="0">
+                <a:solidFill>
+                  <a:schemeClr val="bg1">
+                    <a:lumMod val="85000"/>
+                  </a:schemeClr>
+                </a:solidFill>
+              </a:rPr>
               <a:t>Java Condition Variables</a:t>
             </a:r>
           </a:p>

--- a/OSu/Chap07.pptx
+++ b/OSu/Chap07.pptx
@@ -443,6 +443,11 @@
         </p:txBody>
       </p:sp>
     </p:spTree>
+    <p:extLst>
+      <p:ext uri="{BB962C8B-B14F-4D97-AF65-F5344CB8AC3E}">
+        <p14:creationId xmlns:p14="http://schemas.microsoft.com/office/powerpoint/2010/main" val="1"/>
+      </p:ext>
+    </p:extLst>
   </p:cSld>
   <p:clrMap bg1="lt1" tx1="dk1" bg2="lt2" tx2="dk2" accent1="accent1" accent2="accent2" accent3="accent3" accent4="accent4" accent5="accent5" accent6="accent6" hlink="hlink" folHlink="folHlink"/>
 </p:handoutMaster>
@@ -11618,11 +11623,7 @@
             </a:pPr>
             <a:r>
               <a:rPr lang="en-US" altLang="en-US" sz="2000" dirty="0"/>
-              <a:t>The structure of a reader </a:t>
-            </a:r>
-            <a:r>
-              <a:rPr lang="en-US" altLang="en-US" sz="2000" dirty="0" smtClean="0"/>
-              <a:t>process:</a:t>
+              <a:t>The structure of a reader process:</a:t>
             </a:r>
             <a:endParaRPr lang="en-US" altLang="en-US" dirty="0">
               <a:solidFill>
@@ -11641,12 +11642,6 @@
               </a:rPr>
               <a:t>       while (true){</a:t>
             </a:r>
-            <a:r>
-              <a:rPr lang="en-US" altLang="en-US" b="1" dirty="0">
-                <a:latin typeface="Courier New" panose="02070309020205020404" pitchFamily="49" charset="0"/>
-              </a:rPr>
-              <a:t/>
-            </a:r>
             <a:br>
               <a:rPr lang="en-US" altLang="en-US" b="1" dirty="0">
                 <a:latin typeface="Courier New" panose="02070309020205020404" pitchFamily="49" charset="0"/>
@@ -11714,16 +11709,31 @@
               <a:rPr lang="en-US" altLang="en-US" b="1" dirty="0">
                 <a:latin typeface="Courier New" panose="02070309020205020404" pitchFamily="49" charset="0"/>
               </a:rPr>
-              <a:t>		   	     wait(</a:t>
+              <a:t>		   	     </a:t>
+            </a:r>
+            <a:r>
+              <a:rPr lang="en-US" altLang="en-US" b="1" dirty="0">
+                <a:solidFill>
+                  <a:srgbClr val="0000FF"/>
+                </a:solidFill>
+                <a:latin typeface="Courier New" panose="02070309020205020404" pitchFamily="49" charset="0"/>
+              </a:rPr>
+              <a:t>wait(</a:t>
             </a:r>
             <a:r>
               <a:rPr lang="en-US" altLang="en-US" b="1" dirty="0" err="1">
+                <a:solidFill>
+                  <a:srgbClr val="0000FF"/>
+                </a:solidFill>
                 <a:latin typeface="Courier New" panose="02070309020205020404" pitchFamily="49" charset="0"/>
               </a:rPr>
               <a:t>rw_mutex</a:t>
             </a:r>
             <a:r>
               <a:rPr lang="en-US" altLang="en-US" b="1" dirty="0">
+                <a:solidFill>
+                  <a:srgbClr val="0000FF"/>
+                </a:solidFill>
                 <a:latin typeface="Courier New" panose="02070309020205020404" pitchFamily="49" charset="0"/>
               </a:rPr>
               <a:t>); </a:t>
@@ -11738,16 +11748,10 @@
               <a:rPr lang="en-US" altLang="en-US" b="1" dirty="0">
                 <a:latin typeface="Courier New" panose="02070309020205020404" pitchFamily="49" charset="0"/>
               </a:rPr>
-              <a:t>           	</a:t>
-            </a:r>
-            <a:r>
-              <a:rPr lang="en-US" altLang="en-US" b="1" dirty="0" smtClean="0">
-                <a:latin typeface="Courier New" panose="02070309020205020404" pitchFamily="49" charset="0"/>
-              </a:rPr>
-              <a:t>signal(</a:t>
-            </a:r>
-            <a:r>
-              <a:rPr lang="en-US" altLang="en-US" b="1" dirty="0" err="1" smtClean="0">
+              <a:t>           	signal(</a:t>
+            </a:r>
+            <a:r>
+              <a:rPr lang="en-US" altLang="en-US" b="1" dirty="0" err="1">
                 <a:latin typeface="Courier New" panose="02070309020205020404" pitchFamily="49" charset="0"/>
               </a:rPr>
               <a:t>mutex</a:t>
@@ -11817,22 +11821,16 @@
               <a:t>           	</a:t>
             </a:r>
             <a:r>
-              <a:rPr lang="en-US" altLang="en-US" b="1" dirty="0" err="1" smtClean="0">
+              <a:rPr lang="en-US" altLang="en-US" b="1" dirty="0" err="1">
                 <a:latin typeface="Courier New" panose="02070309020205020404" pitchFamily="49" charset="0"/>
               </a:rPr>
               <a:t>read_count</a:t>
             </a:r>
             <a:r>
-              <a:rPr lang="en-US" altLang="en-US" b="1" dirty="0" smtClean="0">
-                <a:latin typeface="Courier New" panose="02070309020205020404" pitchFamily="49" charset="0"/>
-              </a:rPr>
-              <a:t>-</a:t>
-            </a:r>
-            <a:r>
               <a:rPr lang="en-US" altLang="en-US" b="1" dirty="0">
                 <a:latin typeface="Courier New" panose="02070309020205020404" pitchFamily="49" charset="0"/>
               </a:rPr>
-              <a:t>-;</a:t>
+              <a:t>--;</a:t>
             </a:r>
             <a:br>
               <a:rPr lang="en-US" altLang="en-US" b="1" dirty="0">
@@ -11867,16 +11865,31 @@
               <a:rPr lang="en-US" altLang="en-US" b="1" dirty="0">
                 <a:latin typeface="Courier New" panose="02070309020205020404" pitchFamily="49" charset="0"/>
               </a:rPr>
-              <a:t>           		signal(</a:t>
+              <a:t>           		</a:t>
+            </a:r>
+            <a:r>
+              <a:rPr lang="en-US" altLang="en-US" b="1" dirty="0">
+                <a:solidFill>
+                  <a:srgbClr val="0000FF"/>
+                </a:solidFill>
+                <a:latin typeface="Courier New" panose="02070309020205020404" pitchFamily="49" charset="0"/>
+              </a:rPr>
+              <a:t>signal(</a:t>
             </a:r>
             <a:r>
               <a:rPr lang="en-US" altLang="en-US" b="1" dirty="0" err="1">
+                <a:solidFill>
+                  <a:srgbClr val="0000FF"/>
+                </a:solidFill>
                 <a:latin typeface="Courier New" panose="02070309020205020404" pitchFamily="49" charset="0"/>
               </a:rPr>
               <a:t>rw_mutex</a:t>
             </a:r>
             <a:r>
               <a:rPr lang="en-US" altLang="en-US" b="1" dirty="0">
+                <a:solidFill>
+                  <a:srgbClr val="0000FF"/>
+                </a:solidFill>
                 <a:latin typeface="Courier New" panose="02070309020205020404" pitchFamily="49" charset="0"/>
               </a:rPr>
               <a:t>); </a:t>
@@ -11903,13 +11916,7 @@
               <a:rPr lang="en-US" altLang="en-US" dirty="0">
                 <a:latin typeface="Courier New" panose="02070309020205020404" pitchFamily="49" charset="0"/>
               </a:rPr>
-              <a:t>       </a:t>
-            </a:r>
-            <a:r>
-              <a:rPr lang="en-US" altLang="en-US" dirty="0" smtClean="0">
-                <a:latin typeface="Courier New" panose="02070309020205020404" pitchFamily="49" charset="0"/>
-              </a:rPr>
-              <a:t>}</a:t>
+              <a:t>       }</a:t>
             </a:r>
             <a:endParaRPr lang="en-US" altLang="en-US" sz="1600" dirty="0">
               <a:solidFill>
@@ -12021,25 +12028,13 @@
             </a:r>
             <a:r>
               <a:rPr lang="en-US" altLang="en-US" sz="2400" dirty="0"/>
-              <a:t>in previous slide can result in a situation where a writer </a:t>
-            </a:r>
-            <a:r>
-              <a:rPr lang="en-US" altLang="en-US" sz="2400" dirty="0" smtClean="0"/>
-              <a:t>process </a:t>
-            </a:r>
+              <a:t>in previous slide can result in a situation where a writer process never writes</a:t>
+            </a:r>
+          </a:p>
+          <a:p>
+            <a:pPr lvl="1"/>
             <a:r>
               <a:rPr lang="en-US" altLang="en-US" sz="2400" dirty="0"/>
-              <a:t>never </a:t>
-            </a:r>
-            <a:r>
-              <a:rPr lang="en-US" altLang="en-US" sz="2400" dirty="0" smtClean="0"/>
-              <a:t>writes</a:t>
-            </a:r>
-          </a:p>
-          <a:p>
-            <a:pPr lvl="1"/>
-            <a:r>
-              <a:rPr lang="en-US" altLang="en-US" sz="2400" dirty="0" smtClean="0"/>
               <a:t>“</a:t>
             </a:r>
             <a:r>
@@ -12048,17 +12043,12 @@
                   <a:srgbClr val="0000FF"/>
                 </a:solidFill>
               </a:rPr>
-              <a:t>First reader-writer</a:t>
+              <a:t>First readers-writers</a:t>
             </a:r>
             <a:r>
               <a:rPr lang="en-US" altLang="en-US" sz="2400" dirty="0"/>
-              <a:t>” </a:t>
-            </a:r>
-            <a:r>
-              <a:rPr lang="en-US" altLang="en-US" sz="2400" dirty="0" smtClean="0"/>
-              <a:t>problem</a:t>
-            </a:r>
-            <a:endParaRPr lang="en-US" altLang="en-US" sz="2400" dirty="0"/>
+              <a:t>” problem</a:t>
+            </a:r>
           </a:p>
           <a:p>
             <a:r>
@@ -12071,45 +12061,24 @@
                   <a:srgbClr val="0000FF"/>
                 </a:solidFill>
               </a:rPr>
-              <a:t>Second reader-writer</a:t>
+              <a:t>Second readers-writers</a:t>
             </a:r>
             <a:r>
               <a:rPr lang="en-US" altLang="en-US" sz="2400" dirty="0"/>
-              <a:t>” problem is </a:t>
-            </a:r>
-            <a:r>
-              <a:rPr lang="en-US" altLang="en-US" sz="2400" dirty="0" smtClean="0"/>
-              <a:t>a </a:t>
-            </a:r>
+              <a:t>” problem is a variation of the first reader-writer problem that states:</a:t>
+            </a:r>
+          </a:p>
+          <a:p>
+            <a:pPr lvl="1"/>
             <a:r>
               <a:rPr lang="en-US" altLang="en-US" sz="2400" dirty="0"/>
-              <a:t>variation the first reader-writer problem that state:</a:t>
-            </a:r>
-          </a:p>
-          <a:p>
-            <a:pPr lvl="1"/>
+              <a:t>Once a writer is ready to write, no “newly arrived reader” is allowed to read</a:t>
+            </a:r>
+          </a:p>
+          <a:p>
             <a:r>
               <a:rPr lang="en-US" altLang="en-US" sz="2400" dirty="0"/>
-              <a:t>Once a writer is ready to write, no “newly arrived reader” is allowed </a:t>
-            </a:r>
-            <a:r>
-              <a:rPr lang="en-US" altLang="en-US" sz="2400" dirty="0" smtClean="0"/>
-              <a:t>to read</a:t>
-            </a:r>
-            <a:endParaRPr lang="en-US" altLang="en-US" sz="2400" dirty="0"/>
-          </a:p>
-          <a:p>
-            <a:r>
-              <a:rPr lang="en-US" altLang="en-US" sz="2400" dirty="0"/>
-              <a:t>Both the first and second may result in </a:t>
-            </a:r>
-            <a:r>
-              <a:rPr lang="en-US" altLang="en-US" sz="2400" dirty="0" smtClean="0"/>
-              <a:t>starvation, leading </a:t>
-            </a:r>
-            <a:r>
-              <a:rPr lang="en-US" altLang="en-US" sz="2400" dirty="0"/>
-              <a:t>to even more variations</a:t>
+              <a:t>Both the first and second may result in starvation, leading to even more variations</a:t>
             </a:r>
           </a:p>
           <a:p>
@@ -12213,21 +12182,8 @@
             </a:pPr>
             <a:r>
               <a:rPr lang="en-US" altLang="en-US" sz="2000" dirty="0"/>
-              <a:t>N </a:t>
-            </a:r>
-            <a:r>
-              <a:rPr lang="en-US" altLang="en-US" sz="2000" dirty="0" smtClean="0"/>
-              <a:t>philosophers </a:t>
-            </a:r>
-            <a:r>
-              <a:rPr lang="en-US" altLang="en-US" sz="2000" dirty="0"/>
-              <a:t>sit at a round table with a bowel of rice in the </a:t>
-            </a:r>
-            <a:r>
-              <a:rPr lang="en-US" altLang="en-US" sz="2000" dirty="0" smtClean="0"/>
-              <a:t>middle</a:t>
-            </a:r>
-            <a:endParaRPr lang="en-US" altLang="en-US" sz="2000" dirty="0"/>
+              <a:t>N philosophers sit at a round table with a bowel of rice in the middle</a:t>
+            </a:r>
           </a:p>
           <a:p>
             <a:pPr>
@@ -12264,18 +12220,9 @@
               </a:tabLst>
             </a:pPr>
             <a:r>
-              <a:rPr lang="en-US" altLang="en-US" sz="2000" dirty="0" smtClean="0"/>
-              <a:t>They </a:t>
-            </a:r>
-            <a:r>
               <a:rPr lang="en-US" altLang="en-US" sz="2000" dirty="0"/>
-              <a:t>spend their lives alternating thinking and </a:t>
-            </a:r>
-            <a:r>
-              <a:rPr lang="en-US" altLang="en-US" sz="2000" dirty="0" smtClean="0"/>
-              <a:t>eating</a:t>
-            </a:r>
-            <a:endParaRPr lang="en-US" altLang="en-US" sz="2000" dirty="0"/>
+              <a:t>They spend their lives alternating thinking and eating</a:t>
+            </a:r>
           </a:p>
           <a:p>
             <a:pPr>
@@ -12289,18 +12236,9 @@
               <a:t>They do not </a:t>
             </a:r>
             <a:r>
-              <a:rPr lang="en-US" altLang="ja-JP" sz="2000" dirty="0" smtClean="0"/>
-              <a:t>interact </a:t>
-            </a:r>
-            <a:r>
               <a:rPr lang="en-US" altLang="ja-JP" sz="2000" dirty="0"/>
-              <a:t>with their </a:t>
-            </a:r>
-            <a:r>
-              <a:rPr lang="en-US" altLang="ja-JP" sz="2000" dirty="0" smtClean="0"/>
-              <a:t>neighbors</a:t>
-            </a:r>
-            <a:endParaRPr lang="en-US" altLang="ja-JP" sz="2000" dirty="0"/>
+              <a:t>interact with their neighbors</a:t>
+            </a:r>
           </a:p>
           <a:p>
             <a:pPr>
@@ -12527,13 +12465,8 @@
             </a:pPr>
             <a:r>
               <a:rPr lang="en-US" altLang="en-US" sz="2000" dirty="0"/>
-              <a:t>Semaphore </a:t>
-            </a:r>
-            <a:r>
-              <a:rPr lang="en-US" altLang="en-US" sz="2000" dirty="0" smtClean="0"/>
-              <a:t>solution</a:t>
-            </a:r>
-            <a:endParaRPr lang="en-US" altLang="en-US" sz="2000" dirty="0"/>
+              <a:t>Semaphore solution</a:t>
+            </a:r>
           </a:p>
           <a:p>
             <a:pPr marL="376238" indent="-376238">
@@ -12605,12 +12538,6 @@
               </a:rPr>
               <a:t>while (true){ </a:t>
             </a:r>
-            <a:endParaRPr lang="en-US" altLang="en-US" dirty="0" smtClean="0">
-              <a:solidFill>
-                <a:srgbClr val="000000"/>
-              </a:solidFill>
-              <a:latin typeface="Courier New" panose="02070309020205020404" pitchFamily="49" charset="0"/>
-            </a:endParaRPr>
           </a:p>
           <a:p>
             <a:pPr marL="1195388" lvl="2" indent="-338138">
@@ -12627,13 +12554,22 @@
               </a:tabLst>
             </a:pPr>
             <a:r>
-              <a:rPr lang="en-US" altLang="en-US" b="1" dirty="0" smtClean="0">
+              <a:rPr lang="en-US" altLang="en-US" b="1" dirty="0">
                 <a:solidFill>
                   <a:srgbClr val="000000"/>
                 </a:solidFill>
                 <a:latin typeface="Courier New" panose="02070309020205020404" pitchFamily="49" charset="0"/>
               </a:rPr>
-              <a:t>	 wait </a:t>
+              <a:t>	 wait (chopstick[</a:t>
+            </a:r>
+            <a:r>
+              <a:rPr lang="en-US" altLang="en-US" b="1" dirty="0" err="1">
+                <a:solidFill>
+                  <a:srgbClr val="000000"/>
+                </a:solidFill>
+                <a:latin typeface="Courier New" panose="02070309020205020404" pitchFamily="49" charset="0"/>
+              </a:rPr>
+              <a:t>i</a:t>
             </a:r>
             <a:r>
               <a:rPr lang="en-US" altLang="en-US" b="1" dirty="0">
@@ -12642,32 +12578,8 @@
                 </a:solidFill>
                 <a:latin typeface="Courier New" panose="02070309020205020404" pitchFamily="49" charset="0"/>
               </a:rPr>
-              <a:t>(chopstick[</a:t>
-            </a:r>
-            <a:r>
-              <a:rPr lang="en-US" altLang="en-US" b="1" dirty="0" err="1">
-                <a:solidFill>
-                  <a:srgbClr val="000000"/>
-                </a:solidFill>
-                <a:latin typeface="Courier New" panose="02070309020205020404" pitchFamily="49" charset="0"/>
-              </a:rPr>
-              <a:t>i</a:t>
-            </a:r>
-            <a:r>
-              <a:rPr lang="en-US" altLang="en-US" b="1" dirty="0" smtClean="0">
-                <a:solidFill>
-                  <a:srgbClr val="000000"/>
-                </a:solidFill>
-                <a:latin typeface="Courier New" panose="02070309020205020404" pitchFamily="49" charset="0"/>
-              </a:rPr>
               <a:t>]);</a:t>
             </a:r>
-            <a:endParaRPr lang="en-US" altLang="en-US" b="1" dirty="0">
-              <a:solidFill>
-                <a:srgbClr val="000000"/>
-              </a:solidFill>
-              <a:latin typeface="Courier New" panose="02070309020205020404" pitchFamily="49" charset="0"/>
-            </a:endParaRPr>
           </a:p>
           <a:p>
             <a:pPr marL="1195388" lvl="2" indent="-338138">
@@ -12690,41 +12602,8 @@
                 </a:solidFill>
                 <a:latin typeface="Courier New" panose="02070309020205020404" pitchFamily="49" charset="0"/>
               </a:rPr>
-              <a:t>	 </a:t>
-            </a:r>
-            <a:r>
-              <a:rPr lang="en-US" altLang="en-US" b="1" dirty="0" smtClean="0">
-                <a:solidFill>
-                  <a:srgbClr val="000000"/>
-                </a:solidFill>
-                <a:latin typeface="Courier New" panose="02070309020205020404" pitchFamily="49" charset="0"/>
-              </a:rPr>
-              <a:t>wait (chopstick[(</a:t>
-            </a:r>
-            <a:r>
-              <a:rPr lang="en-US" altLang="en-US" b="1" dirty="0">
-                <a:solidFill>
-                  <a:srgbClr val="000000"/>
-                </a:solidFill>
-                <a:latin typeface="Courier New" panose="02070309020205020404" pitchFamily="49" charset="0"/>
-              </a:rPr>
-              <a:t>i + 1) % 5</a:t>
-            </a:r>
-            <a:r>
-              <a:rPr lang="en-US" altLang="en-US" b="1" dirty="0" smtClean="0">
-                <a:solidFill>
-                  <a:srgbClr val="000000"/>
-                </a:solidFill>
-                <a:latin typeface="Courier New" panose="02070309020205020404" pitchFamily="49" charset="0"/>
-              </a:rPr>
-              <a:t>]);</a:t>
-            </a:r>
-            <a:endParaRPr lang="en-US" altLang="en-US" b="1" dirty="0">
-              <a:solidFill>
-                <a:srgbClr val="000000"/>
-              </a:solidFill>
-              <a:latin typeface="Courier New" panose="02070309020205020404" pitchFamily="49" charset="0"/>
-            </a:endParaRPr>
+              <a:t>	 wait (chopstick[(i + 1) % 5]);</a:t>
+            </a:r>
           </a:p>
           <a:p>
             <a:pPr marL="1195388" lvl="2" indent="-338138">
@@ -12780,25 +12659,7 @@
                 </a:solidFill>
                 <a:latin typeface="Courier New" panose="02070309020205020404" pitchFamily="49" charset="0"/>
               </a:rPr>
-              <a:t>  /* eat for </a:t>
-            </a:r>
-            <a:r>
-              <a:rPr lang="en-US" altLang="en-US" dirty="0" smtClean="0">
-                <a:solidFill>
-                  <a:srgbClr val="000000"/>
-                </a:solidFill>
-                <a:latin typeface="Courier New" panose="02070309020205020404" pitchFamily="49" charset="0"/>
-              </a:rPr>
-              <a:t>a while </a:t>
-            </a:r>
-            <a:r>
-              <a:rPr lang="en-US" altLang="en-US" dirty="0">
-                <a:solidFill>
-                  <a:srgbClr val="000000"/>
-                </a:solidFill>
-                <a:latin typeface="Courier New" panose="02070309020205020404" pitchFamily="49" charset="0"/>
-              </a:rPr>
-              <a:t>*/</a:t>
+              <a:t>  /* eat for a while */</a:t>
             </a:r>
           </a:p>
           <a:p>
@@ -12855,7 +12716,7 @@
               <a:t>i</a:t>
             </a:r>
             <a:r>
-              <a:rPr lang="en-US" altLang="en-US" b="1" dirty="0" smtClean="0">
+              <a:rPr lang="en-US" altLang="en-US" b="1" dirty="0">
                 <a:solidFill>
                   <a:srgbClr val="000000"/>
                 </a:solidFill>
@@ -12863,12 +12724,6 @@
               </a:rPr>
               <a:t>]);</a:t>
             </a:r>
-            <a:endParaRPr lang="en-US" altLang="en-US" b="1" dirty="0">
-              <a:solidFill>
-                <a:srgbClr val="000000"/>
-              </a:solidFill>
-              <a:latin typeface="Courier New" panose="02070309020205020404" pitchFamily="49" charset="0"/>
-            </a:endParaRPr>
           </a:p>
           <a:p>
             <a:pPr marL="1195388" lvl="2" indent="-338138">
@@ -12891,41 +12746,8 @@
                 </a:solidFill>
                 <a:latin typeface="Courier New" panose="02070309020205020404" pitchFamily="49" charset="0"/>
               </a:rPr>
-              <a:t>	 signal (chopstick</a:t>
-            </a:r>
-            <a:r>
-              <a:rPr lang="en-US" altLang="en-US" b="1" dirty="0" smtClean="0">
-                <a:solidFill>
-                  <a:srgbClr val="000000"/>
-                </a:solidFill>
-                <a:latin typeface="Courier New" panose="02070309020205020404" pitchFamily="49" charset="0"/>
-              </a:rPr>
-              <a:t>[(</a:t>
-            </a:r>
-            <a:r>
-              <a:rPr lang="en-US" altLang="en-US" b="1" dirty="0">
-                <a:solidFill>
-                  <a:srgbClr val="000000"/>
-                </a:solidFill>
-                <a:latin typeface="Courier New" panose="02070309020205020404" pitchFamily="49" charset="0"/>
-              </a:rPr>
-              <a:t>i + 1) % 5</a:t>
-            </a:r>
-            <a:r>
-              <a:rPr lang="en-US" altLang="en-US" b="1" dirty="0" smtClean="0">
-                <a:solidFill>
-                  <a:srgbClr val="000000"/>
-                </a:solidFill>
-                <a:latin typeface="Courier New" panose="02070309020205020404" pitchFamily="49" charset="0"/>
-              </a:rPr>
-              <a:t>]);</a:t>
-            </a:r>
-            <a:endParaRPr lang="en-US" altLang="en-US" b="1" dirty="0">
-              <a:solidFill>
-                <a:srgbClr val="000000"/>
-              </a:solidFill>
-              <a:latin typeface="Courier New" panose="02070309020205020404" pitchFamily="49" charset="0"/>
-            </a:endParaRPr>
+              <a:t>	 signal (chopstick[(i + 1) % 5]);</a:t>
+            </a:r>
           </a:p>
           <a:p>
             <a:pPr marL="1195388" lvl="2" indent="-338138">
@@ -12972,25 +12794,7 @@
                 </a:solidFill>
                 <a:latin typeface="Courier New" panose="02070309020205020404" pitchFamily="49" charset="0"/>
               </a:rPr>
-              <a:t>	  /* think for </a:t>
-            </a:r>
-            <a:r>
-              <a:rPr lang="en-US" altLang="en-US" dirty="0" smtClean="0">
-                <a:solidFill>
-                  <a:srgbClr val="000000"/>
-                </a:solidFill>
-                <a:latin typeface="Courier New" panose="02070309020205020404" pitchFamily="49" charset="0"/>
-              </a:rPr>
-              <a:t>a while </a:t>
-            </a:r>
-            <a:r>
-              <a:rPr lang="en-US" altLang="en-US" dirty="0">
-                <a:solidFill>
-                  <a:srgbClr val="000000"/>
-                </a:solidFill>
-                <a:latin typeface="Courier New" panose="02070309020205020404" pitchFamily="49" charset="0"/>
-              </a:rPr>
-              <a:t>*/</a:t>
+              <a:t>	  /* think for a while */</a:t>
             </a:r>
           </a:p>
           <a:p>
@@ -13226,7 +13030,7 @@
               <a:buNone/>
             </a:pPr>
             <a:r>
-              <a:rPr lang="en-US" altLang="en-US" b="1" dirty="0">
+              <a:rPr lang="en-US" altLang="en-US" dirty="0">
                 <a:solidFill>
                   <a:srgbClr val="000000"/>
                 </a:solidFill>
@@ -13235,7 +13039,7 @@
               <a:t>	</a:t>
             </a:r>
             <a:r>
-              <a:rPr lang="en-US" altLang="en-US" b="1" dirty="0" err="1">
+              <a:rPr lang="en-US" altLang="en-US" dirty="0" err="1">
                 <a:solidFill>
                   <a:srgbClr val="000000"/>
                 </a:solidFill>
@@ -13244,49 +13048,13 @@
               <a:t>enum</a:t>
             </a:r>
             <a:r>
-              <a:rPr lang="en-US" altLang="en-US" b="1" dirty="0">
+              <a:rPr lang="en-US" altLang="en-US" dirty="0">
                 <a:solidFill>
                   <a:srgbClr val="000000"/>
                 </a:solidFill>
                 <a:latin typeface="Courier New" panose="02070309020205020404" pitchFamily="49" charset="0"/>
               </a:rPr>
-              <a:t> </a:t>
-            </a:r>
-            <a:r>
-              <a:rPr lang="en-US" altLang="en-US" b="1" dirty="0" smtClean="0">
-                <a:solidFill>
-                  <a:srgbClr val="000000"/>
-                </a:solidFill>
-                <a:latin typeface="Courier New" panose="02070309020205020404" pitchFamily="49" charset="0"/>
-              </a:rPr>
-              <a:t>{THINKING, </a:t>
-            </a:r>
-            <a:r>
-              <a:rPr lang="en-US" altLang="en-US" b="1" dirty="0">
-                <a:solidFill>
-                  <a:srgbClr val="000000"/>
-                </a:solidFill>
-                <a:latin typeface="Courier New" panose="02070309020205020404" pitchFamily="49" charset="0"/>
-              </a:rPr>
-              <a:t>HUNGRY, </a:t>
-            </a:r>
-            <a:r>
-              <a:rPr lang="en-US" altLang="en-US" b="1" dirty="0" smtClean="0">
-                <a:solidFill>
-                  <a:srgbClr val="000000"/>
-                </a:solidFill>
-                <a:latin typeface="Courier New" panose="02070309020205020404" pitchFamily="49" charset="0"/>
-              </a:rPr>
-              <a:t>EATING} state[5</a:t>
-            </a:r>
-            <a:r>
-              <a:rPr lang="en-US" altLang="en-US" b="1" dirty="0">
-                <a:solidFill>
-                  <a:srgbClr val="000000"/>
-                </a:solidFill>
-                <a:latin typeface="Courier New" panose="02070309020205020404" pitchFamily="49" charset="0"/>
-              </a:rPr>
-              <a:t>] ;</a:t>
+              <a:t> {THINKING, HUNGRY, EATING} state[5] ;</a:t>
             </a:r>
           </a:p>
           <a:p>
@@ -13298,31 +13066,13 @@
               <a:buNone/>
             </a:pPr>
             <a:r>
-              <a:rPr lang="en-US" altLang="en-US" b="1" dirty="0">
+              <a:rPr lang="en-US" altLang="en-US" dirty="0">
                 <a:solidFill>
                   <a:srgbClr val="000000"/>
                 </a:solidFill>
                 <a:latin typeface="Courier New" panose="02070309020205020404" pitchFamily="49" charset="0"/>
               </a:rPr>
-              <a:t>	condition </a:t>
-            </a:r>
-            <a:r>
-              <a:rPr lang="en-US" altLang="en-US" b="1" dirty="0" smtClean="0">
-                <a:solidFill>
-                  <a:srgbClr val="000000"/>
-                </a:solidFill>
-                <a:latin typeface="Courier New" panose="02070309020205020404" pitchFamily="49" charset="0"/>
-              </a:rPr>
-              <a:t>self[5</a:t>
-            </a:r>
-            <a:r>
-              <a:rPr lang="en-US" altLang="en-US" b="1" dirty="0">
-                <a:solidFill>
-                  <a:srgbClr val="000000"/>
-                </a:solidFill>
-                <a:latin typeface="Courier New" panose="02070309020205020404" pitchFamily="49" charset="0"/>
-              </a:rPr>
-              <a:t>];</a:t>
+              <a:t>	condition self[5];</a:t>
             </a:r>
           </a:p>
           <a:p>
@@ -13333,7 +13083,7 @@
               <a:buFont typeface="Monotype Sorts" pitchFamily="-84" charset="2"/>
               <a:buNone/>
             </a:pPr>
-            <a:endParaRPr lang="en-US" altLang="en-US" b="1" dirty="0">
+            <a:endParaRPr lang="en-US" altLang="en-US" dirty="0">
               <a:solidFill>
                 <a:srgbClr val="000000"/>
               </a:solidFill>
@@ -13349,7 +13099,7 @@
               <a:buNone/>
             </a:pPr>
             <a:r>
-              <a:rPr lang="en-US" altLang="en-US" b="1" dirty="0">
+              <a:rPr lang="en-US" altLang="en-US" dirty="0">
                 <a:solidFill>
                   <a:srgbClr val="000000"/>
                 </a:solidFill>
@@ -13358,7 +13108,7 @@
               <a:t>	void pickup (int </a:t>
             </a:r>
             <a:r>
-              <a:rPr lang="en-US" altLang="en-US" b="1" dirty="0" err="1">
+              <a:rPr lang="en-US" altLang="en-US" dirty="0" err="1">
                 <a:solidFill>
                   <a:srgbClr val="000000"/>
                 </a:solidFill>
@@ -13367,7 +13117,7 @@
               <a:t>i</a:t>
             </a:r>
             <a:r>
-              <a:rPr lang="en-US" altLang="en-US" b="1" dirty="0">
+              <a:rPr lang="en-US" altLang="en-US" dirty="0">
                 <a:solidFill>
                   <a:srgbClr val="000000"/>
                 </a:solidFill>
@@ -13385,7 +13135,7 @@
               <a:buNone/>
             </a:pPr>
             <a:r>
-              <a:rPr lang="en-US" altLang="en-US" b="1" dirty="0">
+              <a:rPr lang="en-US" altLang="en-US" dirty="0">
                 <a:solidFill>
                   <a:srgbClr val="000000"/>
                 </a:solidFill>
@@ -13394,7 +13144,7 @@
               <a:t>	       state[</a:t>
             </a:r>
             <a:r>
-              <a:rPr lang="en-US" altLang="en-US" b="1" dirty="0" err="1">
+              <a:rPr lang="en-US" altLang="en-US" dirty="0" err="1">
                 <a:solidFill>
                   <a:srgbClr val="000000"/>
                 </a:solidFill>
@@ -13403,7 +13153,7 @@
               <a:t>i</a:t>
             </a:r>
             <a:r>
-              <a:rPr lang="en-US" altLang="en-US" b="1" dirty="0">
+              <a:rPr lang="en-US" altLang="en-US" dirty="0">
                 <a:solidFill>
                   <a:srgbClr val="000000"/>
                 </a:solidFill>
@@ -13421,13 +13171,22 @@
               <a:buNone/>
             </a:pPr>
             <a:r>
+              <a:rPr lang="en-US" altLang="en-US" dirty="0">
+                <a:solidFill>
+                  <a:srgbClr val="000000"/>
+                </a:solidFill>
+                <a:latin typeface="Courier New" panose="02070309020205020404" pitchFamily="49" charset="0"/>
+              </a:rPr>
+              <a:t>	       </a:t>
+            </a:r>
+            <a:r>
               <a:rPr lang="en-US" altLang="en-US" b="1" dirty="0">
                 <a:solidFill>
                   <a:srgbClr val="000000"/>
                 </a:solidFill>
                 <a:latin typeface="Courier New" panose="02070309020205020404" pitchFamily="49" charset="0"/>
               </a:rPr>
-              <a:t>	       test(</a:t>
+              <a:t>test(</a:t>
             </a:r>
             <a:r>
               <a:rPr lang="en-US" altLang="en-US" b="1" dirty="0" err="1">
@@ -13457,13 +13216,40 @@
               <a:buNone/>
             </a:pPr>
             <a:r>
+              <a:rPr lang="en-US" altLang="en-US" dirty="0">
+                <a:solidFill>
+                  <a:srgbClr val="000000"/>
+                </a:solidFill>
+                <a:latin typeface="Courier New" panose="02070309020205020404" pitchFamily="49" charset="0"/>
+              </a:rPr>
+              <a:t>	       if (state[</a:t>
+            </a:r>
+            <a:r>
+              <a:rPr lang="en-US" altLang="en-US" dirty="0" err="1">
+                <a:solidFill>
+                  <a:srgbClr val="000000"/>
+                </a:solidFill>
+                <a:latin typeface="Courier New" panose="02070309020205020404" pitchFamily="49" charset="0"/>
+              </a:rPr>
+              <a:t>i</a:t>
+            </a:r>
+            <a:r>
+              <a:rPr lang="en-US" altLang="en-US" dirty="0">
+                <a:solidFill>
+                  <a:srgbClr val="000000"/>
+                </a:solidFill>
+                <a:latin typeface="Courier New" panose="02070309020205020404" pitchFamily="49" charset="0"/>
+              </a:rPr>
+              <a:t>] != EATING) </a:t>
+            </a:r>
+            <a:r>
               <a:rPr lang="en-US" altLang="en-US" b="1" dirty="0">
                 <a:solidFill>
                   <a:srgbClr val="000000"/>
                 </a:solidFill>
                 <a:latin typeface="Courier New" panose="02070309020205020404" pitchFamily="49" charset="0"/>
               </a:rPr>
-              <a:t>	       if (state[</a:t>
+              <a:t>self[</a:t>
             </a:r>
             <a:r>
               <a:rPr lang="en-US" altLang="en-US" b="1" dirty="0" err="1">
@@ -13481,41 +13267,8 @@
                 </a:solidFill>
                 <a:latin typeface="Courier New" panose="02070309020205020404" pitchFamily="49" charset="0"/>
               </a:rPr>
-              <a:t>] != EATING) self[</a:t>
-            </a:r>
-            <a:r>
-              <a:rPr lang="en-US" altLang="en-US" b="1" dirty="0" err="1">
-                <a:solidFill>
-                  <a:srgbClr val="000000"/>
-                </a:solidFill>
-                <a:latin typeface="Courier New" panose="02070309020205020404" pitchFamily="49" charset="0"/>
-              </a:rPr>
-              <a:t>i</a:t>
-            </a:r>
-            <a:r>
-              <a:rPr lang="en-US" altLang="en-US" b="1" dirty="0">
-                <a:solidFill>
-                  <a:srgbClr val="000000"/>
-                </a:solidFill>
-                <a:latin typeface="Courier New" panose="02070309020205020404" pitchFamily="49" charset="0"/>
-              </a:rPr>
-              <a:t>].</a:t>
-            </a:r>
-            <a:r>
-              <a:rPr lang="en-US" altLang="en-US" b="1" dirty="0" smtClean="0">
-                <a:solidFill>
-                  <a:srgbClr val="000000"/>
-                </a:solidFill>
-                <a:latin typeface="Courier New" panose="02070309020205020404" pitchFamily="49" charset="0"/>
-              </a:rPr>
-              <a:t>wait();</a:t>
-            </a:r>
-            <a:endParaRPr lang="en-US" altLang="en-US" b="1" dirty="0">
-              <a:solidFill>
-                <a:srgbClr val="000000"/>
-              </a:solidFill>
-              <a:latin typeface="Courier New" panose="02070309020205020404" pitchFamily="49" charset="0"/>
-            </a:endParaRPr>
+              <a:t>].wait();</a:t>
+            </a:r>
           </a:p>
           <a:p>
             <a:pPr>
@@ -13526,7 +13279,7 @@
               <a:buNone/>
             </a:pPr>
             <a:r>
-              <a:rPr lang="en-US" altLang="en-US" b="1" dirty="0">
+              <a:rPr lang="en-US" altLang="en-US" dirty="0">
                 <a:solidFill>
                   <a:srgbClr val="000000"/>
                 </a:solidFill>
@@ -13544,7 +13297,7 @@
               <a:buNone/>
             </a:pPr>
             <a:r>
-              <a:rPr lang="en-US" altLang="en-US" b="1" dirty="0">
+              <a:rPr lang="en-US" altLang="en-US" dirty="0">
                 <a:solidFill>
                   <a:srgbClr val="000000"/>
                 </a:solidFill>
@@ -13562,7 +13315,7 @@
               <a:buNone/>
             </a:pPr>
             <a:r>
-              <a:rPr lang="en-US" altLang="en-US" b="1" dirty="0">
+              <a:rPr lang="en-US" altLang="en-US" dirty="0">
                 <a:solidFill>
                   <a:srgbClr val="000000"/>
                 </a:solidFill>
@@ -13571,7 +13324,7 @@
               <a:t>   void putdown (int </a:t>
             </a:r>
             <a:r>
-              <a:rPr lang="en-US" altLang="en-US" b="1" dirty="0" err="1">
+              <a:rPr lang="en-US" altLang="en-US" dirty="0" err="1">
                 <a:solidFill>
                   <a:srgbClr val="000000"/>
                 </a:solidFill>
@@ -13580,7 +13333,7 @@
               <a:t>i</a:t>
             </a:r>
             <a:r>
-              <a:rPr lang="en-US" altLang="en-US" b="1" dirty="0">
+              <a:rPr lang="en-US" altLang="en-US" dirty="0">
                 <a:solidFill>
                   <a:srgbClr val="000000"/>
                 </a:solidFill>
@@ -13598,7 +13351,7 @@
               <a:buNone/>
             </a:pPr>
             <a:r>
-              <a:rPr lang="en-US" altLang="en-US" b="1" dirty="0">
+              <a:rPr lang="en-US" altLang="en-US" dirty="0">
                 <a:solidFill>
                   <a:srgbClr val="000000"/>
                 </a:solidFill>
@@ -13607,7 +13360,7 @@
               <a:t>	       state[</a:t>
             </a:r>
             <a:r>
-              <a:rPr lang="en-US" altLang="en-US" b="1" dirty="0" err="1">
+              <a:rPr lang="en-US" altLang="en-US" dirty="0" err="1">
                 <a:solidFill>
                   <a:srgbClr val="000000"/>
                 </a:solidFill>
@@ -13616,7 +13369,7 @@
               <a:t>i</a:t>
             </a:r>
             <a:r>
-              <a:rPr lang="en-US" altLang="en-US" b="1" dirty="0">
+              <a:rPr lang="en-US" altLang="en-US" dirty="0">
                 <a:solidFill>
                   <a:srgbClr val="000000"/>
                 </a:solidFill>
@@ -13634,22 +13387,13 @@
               <a:buNone/>
             </a:pPr>
             <a:r>
-              <a:rPr lang="en-US" altLang="en-US" b="1" dirty="0" smtClean="0">
+              <a:rPr lang="en-US" altLang="en-US" dirty="0">
                 <a:solidFill>
                   <a:srgbClr val="000000"/>
                 </a:solidFill>
                 <a:latin typeface="Courier New" panose="02070309020205020404" pitchFamily="49" charset="0"/>
               </a:rPr>
-              <a:t>		   // </a:t>
-            </a:r>
-            <a:r>
-              <a:rPr lang="en-US" altLang="en-US" b="1" dirty="0">
-                <a:solidFill>
-                  <a:srgbClr val="000000"/>
-                </a:solidFill>
-                <a:latin typeface="Courier New" panose="02070309020205020404" pitchFamily="49" charset="0"/>
-              </a:rPr>
-              <a:t>test left and right neighbors</a:t>
+              <a:t>		   // test left and right neighbors</a:t>
             </a:r>
           </a:p>
           <a:p>
@@ -13733,7 +13477,7 @@
               <a:buNone/>
             </a:pPr>
             <a:r>
-              <a:rPr lang="en-US" altLang="en-US" b="1" dirty="0">
+              <a:rPr lang="en-US" altLang="en-US" dirty="0">
                 <a:solidFill>
                   <a:srgbClr val="000000"/>
                 </a:solidFill>
@@ -13875,28 +13619,19 @@
                 </a:solidFill>
                 <a:latin typeface="Courier New" panose="02070309020205020404" pitchFamily="49" charset="0"/>
               </a:rPr>
-              <a:t>	</a:t>
-            </a:r>
-            <a:r>
-              <a:rPr lang="en-US" altLang="en-US" b="1" dirty="0">
+              <a:t>	void test (int </a:t>
+            </a:r>
+            <a:r>
+              <a:rPr lang="en-US" altLang="en-US" dirty="0" err="1">
                 <a:solidFill>
                   <a:srgbClr val="000000"/>
                 </a:solidFill>
                 <a:latin typeface="Courier New" panose="02070309020205020404" pitchFamily="49" charset="0"/>
               </a:rPr>
-              <a:t>void test (int </a:t>
-            </a:r>
-            <a:r>
-              <a:rPr lang="en-US" altLang="en-US" b="1" dirty="0" err="1">
-                <a:solidFill>
-                  <a:srgbClr val="000000"/>
-                </a:solidFill>
-                <a:latin typeface="Courier New" panose="02070309020205020404" pitchFamily="49" charset="0"/>
-              </a:rPr>
               <a:t>i</a:t>
             </a:r>
             <a:r>
-              <a:rPr lang="en-US" altLang="en-US" b="1" dirty="0">
+              <a:rPr lang="en-US" altLang="en-US" dirty="0">
                 <a:solidFill>
                   <a:srgbClr val="000000"/>
                 </a:solidFill>
@@ -13914,7 +13649,7 @@
               <a:buNone/>
             </a:pPr>
             <a:r>
-              <a:rPr lang="en-US" altLang="en-US" b="1" dirty="0">
+              <a:rPr lang="en-US" altLang="en-US" dirty="0">
                 <a:solidFill>
                   <a:srgbClr val="000000"/>
                 </a:solidFill>
@@ -13923,7 +13658,7 @@
               <a:t>	        if ((state[(</a:t>
             </a:r>
             <a:r>
-              <a:rPr lang="en-US" altLang="en-US" b="1" dirty="0" err="1">
+              <a:rPr lang="en-US" altLang="en-US" dirty="0" err="1">
                 <a:solidFill>
                   <a:srgbClr val="000000"/>
                 </a:solidFill>
@@ -13932,7 +13667,7 @@
               <a:t>i</a:t>
             </a:r>
             <a:r>
-              <a:rPr lang="en-US" altLang="en-US" b="1" dirty="0">
+              <a:rPr lang="en-US" altLang="en-US" dirty="0">
                 <a:solidFill>
                   <a:srgbClr val="000000"/>
                 </a:solidFill>
@@ -13950,7 +13685,7 @@
               <a:buNone/>
             </a:pPr>
             <a:r>
-              <a:rPr lang="en-US" altLang="en-US" b="1" dirty="0">
+              <a:rPr lang="en-US" altLang="en-US" dirty="0">
                 <a:solidFill>
                   <a:srgbClr val="000000"/>
                 </a:solidFill>
@@ -13959,7 +13694,7 @@
               <a:t>	        (state[</a:t>
             </a:r>
             <a:r>
-              <a:rPr lang="en-US" altLang="en-US" b="1" dirty="0" err="1">
+              <a:rPr lang="en-US" altLang="en-US" dirty="0" err="1">
                 <a:solidFill>
                   <a:srgbClr val="000000"/>
                 </a:solidFill>
@@ -13968,7 +13703,7 @@
               <a:t>i</a:t>
             </a:r>
             <a:r>
-              <a:rPr lang="en-US" altLang="en-US" b="1" dirty="0">
+              <a:rPr lang="en-US" altLang="en-US" dirty="0">
                 <a:solidFill>
                   <a:srgbClr val="000000"/>
                 </a:solidFill>
@@ -13986,7 +13721,7 @@
               <a:buNone/>
             </a:pPr>
             <a:r>
-              <a:rPr lang="en-US" altLang="en-US" b="1" dirty="0">
+              <a:rPr lang="en-US" altLang="en-US" dirty="0">
                 <a:solidFill>
                   <a:srgbClr val="000000"/>
                 </a:solidFill>
@@ -13995,7 +13730,7 @@
               <a:t>	        (state[(</a:t>
             </a:r>
             <a:r>
-              <a:rPr lang="en-US" altLang="en-US" b="1" dirty="0" err="1">
+              <a:rPr lang="en-US" altLang="en-US" dirty="0" err="1">
                 <a:solidFill>
                   <a:srgbClr val="000000"/>
                 </a:solidFill>
@@ -14004,7 +13739,7 @@
               <a:t>i</a:t>
             </a:r>
             <a:r>
-              <a:rPr lang="en-US" altLang="en-US" b="1" dirty="0">
+              <a:rPr lang="en-US" altLang="en-US" dirty="0">
                 <a:solidFill>
                   <a:srgbClr val="000000"/>
                 </a:solidFill>
@@ -14012,38 +13747,23 @@
               </a:rPr>
               <a:t> + 1) % 5] != EATING) ) </a:t>
             </a:r>
-            <a:r>
-              <a:rPr lang="en-US" altLang="en-US" b="1" dirty="0" smtClean="0">
+            <a:br>
+              <a:rPr lang="en-US" altLang="en-US" dirty="0">
                 <a:solidFill>
                   <a:srgbClr val="000000"/>
                 </a:solidFill>
                 <a:latin typeface="Courier New" panose="02070309020205020404" pitchFamily="49" charset="0"/>
               </a:rPr>
-              <a:t/>
-            </a:r>
-            <a:br>
-              <a:rPr lang="en-US" altLang="en-US" b="1" dirty="0" smtClean="0">
+            </a:br>
+            <a:r>
+              <a:rPr lang="en-US" altLang="en-US" dirty="0">
                 <a:solidFill>
                   <a:srgbClr val="000000"/>
                 </a:solidFill>
                 <a:latin typeface="Courier New" panose="02070309020205020404" pitchFamily="49" charset="0"/>
               </a:rPr>
-            </a:br>
-            <a:r>
-              <a:rPr lang="en-US" altLang="en-US" b="1" dirty="0" smtClean="0">
-                <a:solidFill>
-                  <a:srgbClr val="000000"/>
-                </a:solidFill>
-                <a:latin typeface="Courier New" panose="02070309020205020404" pitchFamily="49" charset="0"/>
-              </a:rPr>
               <a:t>	    { </a:t>
             </a:r>
-            <a:endParaRPr lang="en-US" altLang="en-US" b="1" dirty="0">
-              <a:solidFill>
-                <a:srgbClr val="000000"/>
-              </a:solidFill>
-              <a:latin typeface="Courier New" panose="02070309020205020404" pitchFamily="49" charset="0"/>
-            </a:endParaRPr>
           </a:p>
           <a:p>
             <a:pPr>
@@ -14054,56 +13774,32 @@
               <a:buNone/>
             </a:pPr>
             <a:r>
-              <a:rPr lang="en-US" altLang="en-US" b="1" dirty="0">
+              <a:rPr lang="en-US" altLang="en-US" dirty="0">
                 <a:solidFill>
                   <a:srgbClr val="000000"/>
                 </a:solidFill>
                 <a:latin typeface="Courier New" panose="02070309020205020404" pitchFamily="49" charset="0"/>
               </a:rPr>
-              <a:t>	           </a:t>
-            </a:r>
-            <a:r>
-              <a:rPr lang="en-US" altLang="en-US" b="1" dirty="0" smtClean="0">
+              <a:t>	           state[</a:t>
+            </a:r>
+            <a:r>
+              <a:rPr lang="en-US" altLang="en-US" dirty="0" err="1">
                 <a:solidFill>
                   <a:srgbClr val="000000"/>
                 </a:solidFill>
                 <a:latin typeface="Courier New" panose="02070309020205020404" pitchFamily="49" charset="0"/>
               </a:rPr>
-              <a:t>state[</a:t>
-            </a:r>
-            <a:r>
-              <a:rPr lang="en-US" altLang="en-US" b="1" dirty="0" err="1" smtClean="0">
+              <a:t>i</a:t>
+            </a:r>
+            <a:r>
+              <a:rPr lang="en-US" altLang="en-US" dirty="0">
                 <a:solidFill>
                   <a:srgbClr val="000000"/>
                 </a:solidFill>
                 <a:latin typeface="Courier New" panose="02070309020205020404" pitchFamily="49" charset="0"/>
               </a:rPr>
-              <a:t>i</a:t>
-            </a:r>
-            <a:r>
-              <a:rPr lang="en-US" altLang="en-US" b="1" dirty="0">
-                <a:solidFill>
-                  <a:srgbClr val="000000"/>
-                </a:solidFill>
-                <a:latin typeface="Courier New" panose="02070309020205020404" pitchFamily="49" charset="0"/>
-              </a:rPr>
-              <a:t>] = </a:t>
-            </a:r>
-            <a:r>
-              <a:rPr lang="en-US" altLang="en-US" b="1" dirty="0" smtClean="0">
-                <a:solidFill>
-                  <a:srgbClr val="000000"/>
-                </a:solidFill>
-                <a:latin typeface="Courier New" panose="02070309020205020404" pitchFamily="49" charset="0"/>
-              </a:rPr>
-              <a:t>EATING;</a:t>
-            </a:r>
-            <a:endParaRPr lang="en-US" altLang="en-US" b="1" dirty="0">
-              <a:solidFill>
-                <a:srgbClr val="000000"/>
-              </a:solidFill>
-              <a:latin typeface="Courier New" panose="02070309020205020404" pitchFamily="49" charset="0"/>
-            </a:endParaRPr>
+              <a:t>] = EATING;</a:t>
+            </a:r>
           </a:p>
           <a:p>
             <a:pPr>
@@ -14114,56 +13810,41 @@
               <a:buNone/>
             </a:pPr>
             <a:r>
+              <a:rPr lang="en-US" altLang="en-US" dirty="0">
+                <a:solidFill>
+                  <a:srgbClr val="000000"/>
+                </a:solidFill>
+                <a:latin typeface="Courier New" panose="02070309020205020404" pitchFamily="49" charset="0"/>
+              </a:rPr>
+              <a:t>		    	</a:t>
+            </a:r>
+            <a:r>
               <a:rPr lang="en-US" altLang="en-US" b="1" dirty="0">
                 <a:solidFill>
                   <a:srgbClr val="000000"/>
                 </a:solidFill>
                 <a:latin typeface="Courier New" panose="02070309020205020404" pitchFamily="49" charset="0"/>
               </a:rPr>
-              <a:t>		    </a:t>
-            </a:r>
-            <a:r>
-              <a:rPr lang="en-US" altLang="en-US" b="1" dirty="0" smtClean="0">
+              <a:t>self[</a:t>
+            </a:r>
+            <a:r>
+              <a:rPr lang="en-US" altLang="en-US" b="1" dirty="0" err="1">
                 <a:solidFill>
                   <a:srgbClr val="000000"/>
                 </a:solidFill>
                 <a:latin typeface="Courier New" panose="02070309020205020404" pitchFamily="49" charset="0"/>
               </a:rPr>
-              <a:t>	self[</a:t>
-            </a:r>
-            <a:r>
-              <a:rPr lang="en-US" altLang="en-US" b="1" dirty="0" err="1" smtClean="0">
+              <a:t>i</a:t>
+            </a:r>
+            <a:r>
+              <a:rPr lang="en-US" altLang="en-US" b="1" dirty="0">
                 <a:solidFill>
                   <a:srgbClr val="000000"/>
                 </a:solidFill>
                 <a:latin typeface="Courier New" panose="02070309020205020404" pitchFamily="49" charset="0"/>
               </a:rPr>
-              <a:t>i</a:t>
-            </a:r>
-            <a:r>
-              <a:rPr lang="en-US" altLang="en-US" b="1" dirty="0">
-                <a:solidFill>
-                  <a:srgbClr val="000000"/>
-                </a:solidFill>
-                <a:latin typeface="Courier New" panose="02070309020205020404" pitchFamily="49" charset="0"/>
-              </a:rPr>
-              <a:t>].</a:t>
-            </a:r>
-            <a:r>
-              <a:rPr lang="en-US" altLang="en-US" b="1" dirty="0" smtClean="0">
-                <a:solidFill>
-                  <a:srgbClr val="000000"/>
-                </a:solidFill>
-                <a:latin typeface="Courier New" panose="02070309020205020404" pitchFamily="49" charset="0"/>
-              </a:rPr>
-              <a:t>signal();</a:t>
-            </a:r>
-            <a:endParaRPr lang="en-US" altLang="en-US" b="1" dirty="0">
-              <a:solidFill>
-                <a:srgbClr val="000000"/>
-              </a:solidFill>
-              <a:latin typeface="Courier New" panose="02070309020205020404" pitchFamily="49" charset="0"/>
-            </a:endParaRPr>
+              <a:t>].signal();</a:t>
+            </a:r>
           </a:p>
           <a:p>
             <a:pPr>
@@ -14174,7 +13855,7 @@
               <a:buNone/>
             </a:pPr>
             <a:r>
-              <a:rPr lang="en-US" altLang="en-US" b="1" dirty="0">
+              <a:rPr lang="en-US" altLang="en-US" dirty="0">
                 <a:solidFill>
                   <a:srgbClr val="000000"/>
                 </a:solidFill>
@@ -14192,7 +13873,7 @@
               <a:buNone/>
             </a:pPr>
             <a:r>
-              <a:rPr lang="en-US" altLang="en-US" b="1" dirty="0">
+              <a:rPr lang="en-US" altLang="en-US" dirty="0">
                 <a:solidFill>
                   <a:srgbClr val="000000"/>
                 </a:solidFill>
@@ -14209,7 +13890,7 @@
               <a:buFont typeface="Monotype Sorts" pitchFamily="-84" charset="2"/>
               <a:buNone/>
             </a:pPr>
-            <a:endParaRPr lang="en-US" altLang="en-US" b="1" dirty="0">
+            <a:endParaRPr lang="en-US" altLang="en-US" dirty="0">
               <a:solidFill>
                 <a:srgbClr val="000000"/>
               </a:solidFill>
@@ -14225,7 +13906,7 @@
               <a:buNone/>
             </a:pPr>
             <a:r>
-              <a:rPr lang="en-US" altLang="en-US" b="1" dirty="0" smtClean="0">
+              <a:rPr lang="en-US" altLang="en-US" dirty="0">
                 <a:solidFill>
                   <a:srgbClr val="000000"/>
                 </a:solidFill>
@@ -14234,7 +13915,7 @@
               <a:t>	</a:t>
             </a:r>
             <a:r>
-              <a:rPr lang="en-US" altLang="en-US" b="1" dirty="0" err="1" smtClean="0">
+              <a:rPr lang="en-US" altLang="en-US" dirty="0" err="1">
                 <a:solidFill>
                   <a:srgbClr val="000000"/>
                 </a:solidFill>
@@ -14243,7 +13924,7 @@
               <a:t>initialization_code</a:t>
             </a:r>
             <a:r>
-              <a:rPr lang="en-US" altLang="en-US" b="1" dirty="0">
+              <a:rPr lang="en-US" altLang="en-US" dirty="0">
                 <a:solidFill>
                   <a:srgbClr val="000000"/>
                 </a:solidFill>
@@ -14261,7 +13942,7 @@
               <a:buNone/>
             </a:pPr>
             <a:r>
-              <a:rPr lang="en-US" altLang="en-US" b="1" dirty="0">
+              <a:rPr lang="en-US" altLang="en-US" dirty="0">
                 <a:solidFill>
                   <a:srgbClr val="000000"/>
                 </a:solidFill>
@@ -14270,7 +13951,7 @@
               <a:t>	       for (int </a:t>
             </a:r>
             <a:r>
-              <a:rPr lang="en-US" altLang="en-US" b="1" dirty="0" err="1">
+              <a:rPr lang="en-US" altLang="en-US" dirty="0" err="1">
                 <a:solidFill>
                   <a:srgbClr val="000000"/>
                 </a:solidFill>
@@ -14279,7 +13960,7 @@
               <a:t>i</a:t>
             </a:r>
             <a:r>
-              <a:rPr lang="en-US" altLang="en-US" b="1" dirty="0">
+              <a:rPr lang="en-US" altLang="en-US" dirty="0">
                 <a:solidFill>
                   <a:srgbClr val="000000"/>
                 </a:solidFill>
@@ -14288,7 +13969,7 @@
               <a:t> = 0; </a:t>
             </a:r>
             <a:r>
-              <a:rPr lang="en-US" altLang="en-US" b="1" dirty="0" err="1">
+              <a:rPr lang="en-US" altLang="en-US" dirty="0" err="1">
                 <a:solidFill>
                   <a:srgbClr val="000000"/>
                 </a:solidFill>
@@ -14297,7 +13978,7 @@
               <a:t>i</a:t>
             </a:r>
             <a:r>
-              <a:rPr lang="en-US" altLang="en-US" b="1" dirty="0">
+              <a:rPr lang="en-US" altLang="en-US" dirty="0">
                 <a:solidFill>
                   <a:srgbClr val="000000"/>
                 </a:solidFill>
@@ -14306,7 +13987,7 @@
               <a:t> &lt; 5; </a:t>
             </a:r>
             <a:r>
-              <a:rPr lang="en-US" altLang="en-US" b="1" dirty="0" err="1">
+              <a:rPr lang="en-US" altLang="en-US" dirty="0" err="1">
                 <a:solidFill>
                   <a:srgbClr val="000000"/>
                 </a:solidFill>
@@ -14315,7 +13996,7 @@
               <a:t>i</a:t>
             </a:r>
             <a:r>
-              <a:rPr lang="en-US" altLang="en-US" b="1" dirty="0">
+              <a:rPr lang="en-US" altLang="en-US" dirty="0">
                 <a:solidFill>
                   <a:srgbClr val="000000"/>
                 </a:solidFill>
@@ -14333,34 +14014,25 @@
               <a:buNone/>
             </a:pPr>
             <a:r>
-              <a:rPr lang="en-US" altLang="en-US" b="1" dirty="0">
+              <a:rPr lang="en-US" altLang="en-US" dirty="0">
                 <a:solidFill>
                   <a:srgbClr val="000000"/>
                 </a:solidFill>
                 <a:latin typeface="Courier New" panose="02070309020205020404" pitchFamily="49" charset="0"/>
               </a:rPr>
-              <a:t>	       </a:t>
-            </a:r>
-            <a:r>
-              <a:rPr lang="en-US" altLang="en-US" b="1" dirty="0" smtClean="0">
+              <a:t>	       	state[</a:t>
+            </a:r>
+            <a:r>
+              <a:rPr lang="en-US" altLang="en-US" dirty="0" err="1">
                 <a:solidFill>
                   <a:srgbClr val="000000"/>
                 </a:solidFill>
                 <a:latin typeface="Courier New" panose="02070309020205020404" pitchFamily="49" charset="0"/>
               </a:rPr>
-              <a:t>	state[</a:t>
-            </a:r>
-            <a:r>
-              <a:rPr lang="en-US" altLang="en-US" b="1" dirty="0" err="1" smtClean="0">
-                <a:solidFill>
-                  <a:srgbClr val="000000"/>
-                </a:solidFill>
-                <a:latin typeface="Courier New" panose="02070309020205020404" pitchFamily="49" charset="0"/>
-              </a:rPr>
               <a:t>i</a:t>
             </a:r>
             <a:r>
-              <a:rPr lang="en-US" altLang="en-US" b="1" dirty="0">
+              <a:rPr lang="en-US" altLang="en-US" dirty="0">
                 <a:solidFill>
                   <a:srgbClr val="000000"/>
                 </a:solidFill>
@@ -14378,29 +14050,14 @@
               <a:buNone/>
             </a:pPr>
             <a:r>
-              <a:rPr lang="en-US" altLang="en-US" b="1" dirty="0">
+              <a:rPr lang="en-US" altLang="en-US" dirty="0">
                 <a:solidFill>
                   <a:srgbClr val="000000"/>
                 </a:solidFill>
                 <a:latin typeface="Courier New" panose="02070309020205020404" pitchFamily="49" charset="0"/>
               </a:rPr>
-              <a:t>	</a:t>
-            </a:r>
-            <a:r>
-              <a:rPr lang="en-US" altLang="en-US" b="1" dirty="0" smtClean="0">
-                <a:solidFill>
-                  <a:srgbClr val="000000"/>
-                </a:solidFill>
-                <a:latin typeface="Courier New" panose="02070309020205020404" pitchFamily="49" charset="0"/>
-              </a:rPr>
-              <a:t>}</a:t>
-            </a:r>
-            <a:endParaRPr lang="en-US" altLang="en-US" b="1" dirty="0">
-              <a:solidFill>
-                <a:srgbClr val="000000"/>
-              </a:solidFill>
-              <a:latin typeface="Courier New" panose="02070309020205020404" pitchFamily="49" charset="0"/>
-            </a:endParaRPr>
+              <a:t>	}</a:t>
+            </a:r>
           </a:p>
           <a:p>
             <a:pPr>
@@ -14411,7 +14068,7 @@
               <a:buNone/>
             </a:pPr>
             <a:r>
-              <a:rPr lang="en-US" altLang="en-US" b="1" dirty="0">
+              <a:rPr lang="en-US" altLang="en-US" dirty="0">
                 <a:solidFill>
                   <a:srgbClr val="000000"/>
                 </a:solidFill>
@@ -14621,22 +14278,13 @@
               <a:buNone/>
             </a:pPr>
             <a:r>
-              <a:rPr lang="en-US" altLang="en-US" sz="2000" b="1" dirty="0" smtClean="0">
+              <a:rPr lang="en-US" altLang="en-US" sz="2000" b="1" dirty="0">
                 <a:solidFill>
                   <a:srgbClr val="000000"/>
                 </a:solidFill>
                 <a:latin typeface="Courier New" panose="02070309020205020404" pitchFamily="49" charset="0"/>
               </a:rPr>
-              <a:t>             /** </a:t>
-            </a:r>
-            <a:r>
-              <a:rPr lang="en-US" altLang="en-US" sz="2000" b="1" dirty="0">
-                <a:solidFill>
-                  <a:srgbClr val="000000"/>
-                </a:solidFill>
-                <a:latin typeface="Courier New" panose="02070309020205020404" pitchFamily="49" charset="0"/>
-              </a:rPr>
-              <a:t>EAT **/</a:t>
+              <a:t>             /** EAT **/</a:t>
             </a:r>
           </a:p>
           <a:p>
@@ -14648,7 +14296,7 @@
               <a:buNone/>
             </a:pPr>
             <a:r>
-              <a:rPr lang="en-US" altLang="en-US" sz="2000" b="1" dirty="0" smtClean="0">
+              <a:rPr lang="en-US" altLang="en-US" sz="2000" b="1" dirty="0">
                 <a:solidFill>
                   <a:srgbClr val="000000"/>
                 </a:solidFill>
@@ -14929,7 +14577,7 @@
               <a:t>dispatcher objects </a:t>
             </a:r>
             <a:r>
-              <a:rPr lang="en-US" altLang="en-US" sz="2000" dirty="0" smtClean="0">
+              <a:rPr lang="en-US" altLang="en-US" sz="2000" dirty="0">
                 <a:solidFill>
                   <a:srgbClr val="000000"/>
                 </a:solidFill>
@@ -14937,7 +14585,7 @@
               <a:t>including </a:t>
             </a:r>
             <a:r>
-              <a:rPr lang="en-US" altLang="en-US" sz="2000" dirty="0" err="1" smtClean="0"/>
+              <a:rPr lang="en-US" altLang="en-US" sz="2000" dirty="0" err="1"/>
               <a:t>mutexes</a:t>
             </a:r>
             <a:r>
@@ -14968,15 +14616,7 @@
             <a:pPr lvl="1"/>
             <a:r>
               <a:rPr lang="en-US" altLang="en-US" sz="2000" dirty="0"/>
-              <a:t>Timers notify one or more </a:t>
-            </a:r>
-            <a:r>
-              <a:rPr lang="en-US" altLang="en-US" sz="2000" dirty="0" smtClean="0"/>
-              <a:t>threads </a:t>
-            </a:r>
-            <a:r>
-              <a:rPr lang="en-US" altLang="en-US" sz="2000" dirty="0"/>
-              <a:t>when time expired</a:t>
+              <a:t>Timers notify one or more threads when time expired</a:t>
             </a:r>
           </a:p>
           <a:p>
@@ -15283,42 +14923,33 @@
           <a:p>
             <a:pPr lvl="1"/>
             <a:r>
-              <a:rPr lang="en-US" altLang="en-US" sz="2400" dirty="0" smtClean="0"/>
-              <a:t>Atomic </a:t>
-            </a:r>
-            <a:r>
               <a:rPr lang="en-US" altLang="en-US" sz="2400" dirty="0"/>
-              <a:t>integers</a:t>
+              <a:t>Atomic integers</a:t>
             </a:r>
           </a:p>
           <a:p>
             <a:pPr lvl="1"/>
             <a:r>
-              <a:rPr lang="en-US" altLang="en-US" sz="2400" dirty="0" err="1" smtClean="0"/>
+              <a:rPr lang="en-US" altLang="en-US" sz="2400" dirty="0" err="1"/>
               <a:t>Mutex</a:t>
             </a:r>
             <a:r>
-              <a:rPr lang="en-US" altLang="en-US" sz="2400" dirty="0" smtClean="0"/>
+              <a:rPr lang="en-US" altLang="en-US" sz="2400" dirty="0"/>
               <a:t> locks</a:t>
             </a:r>
           </a:p>
           <a:p>
             <a:pPr lvl="1"/>
             <a:r>
-              <a:rPr lang="en-US" altLang="en-US" sz="2400" dirty="0" smtClean="0"/>
+              <a:rPr lang="en-US" altLang="en-US" sz="2400" dirty="0"/>
               <a:t>Spinlocks, Semaphores</a:t>
             </a:r>
-            <a:endParaRPr lang="en-US" altLang="en-US" sz="2400" dirty="0"/>
           </a:p>
           <a:p>
             <a:pPr lvl="1"/>
             <a:r>
-              <a:rPr lang="en-US" altLang="en-US" sz="2400" dirty="0" smtClean="0"/>
-              <a:t>Reader-writer </a:t>
-            </a:r>
-            <a:r>
               <a:rPr lang="en-US" altLang="en-US" sz="2400" dirty="0"/>
-              <a:t>versions of both</a:t>
+              <a:t>Reader-writer versions of both</a:t>
             </a:r>
           </a:p>
           <a:p>
@@ -15416,17 +15047,13 @@
           <a:p>
             <a:r>
               <a:rPr lang="en-US" altLang="en-US" sz="2400" dirty="0"/>
-              <a:t>Explain the </a:t>
-            </a:r>
-            <a:r>
-              <a:rPr lang="en-US" altLang="en-US" sz="2400" dirty="0" smtClean="0"/>
-              <a:t>classical synchronization problems</a:t>
+              <a:t>Explain the classical synchronization problems</a:t>
             </a:r>
           </a:p>
           <a:p>
             <a:pPr lvl="1"/>
             <a:r>
-              <a:rPr lang="en-US" altLang="en-US" sz="2400" dirty="0" smtClean="0"/>
+              <a:rPr lang="en-US" altLang="en-US" sz="2400" dirty="0"/>
               <a:t>the </a:t>
             </a:r>
             <a:r>
@@ -15439,81 +15066,58 @@
             </a:r>
             <a:r>
               <a:rPr lang="en-US" altLang="en-US" sz="2400" dirty="0"/>
-              <a:t> </a:t>
-            </a:r>
-            <a:r>
-              <a:rPr lang="en-US" altLang="en-US" sz="2400" dirty="0" smtClean="0"/>
-              <a:t>problem</a:t>
+              <a:t> problem</a:t>
+            </a:r>
+          </a:p>
+          <a:p>
+            <a:pPr lvl="1"/>
+            <a:r>
+              <a:rPr lang="en-US" altLang="en-US" sz="2400" dirty="0"/>
+              <a:t>the </a:t>
+            </a:r>
+            <a:r>
+              <a:rPr lang="en-US" altLang="en-US" sz="2400" dirty="0">
+                <a:solidFill>
+                  <a:srgbClr val="0000FF"/>
+                </a:solidFill>
+              </a:rPr>
+              <a:t>readers-writers</a:t>
+            </a:r>
+            <a:r>
+              <a:rPr lang="en-US" altLang="en-US" sz="2400" dirty="0"/>
+              <a:t> problem</a:t>
+            </a:r>
+          </a:p>
+          <a:p>
+            <a:pPr lvl="1"/>
+            <a:r>
+              <a:rPr lang="en-US" altLang="en-US" sz="2400" dirty="0"/>
+              <a:t>the </a:t>
+            </a:r>
+            <a:r>
+              <a:rPr lang="en-US" altLang="en-US" sz="2400">
+                <a:solidFill>
+                  <a:srgbClr val="0000FF"/>
+                </a:solidFill>
+              </a:rPr>
+              <a:t>dining-philosophers</a:t>
+            </a:r>
+            <a:r>
+              <a:rPr lang="en-US" altLang="en-US" sz="2400"/>
+              <a:t> problem</a:t>
             </a:r>
             <a:endParaRPr lang="en-US" altLang="en-US" sz="2400" dirty="0"/>
           </a:p>
           <a:p>
-            <a:pPr lvl="1"/>
-            <a:r>
-              <a:rPr lang="en-US" altLang="en-US" sz="2400" dirty="0" smtClean="0"/>
-              <a:t>the </a:t>
-            </a:r>
-            <a:r>
-              <a:rPr lang="en-US" altLang="en-US" sz="2400" dirty="0">
-                <a:solidFill>
-                  <a:srgbClr val="0000FF"/>
-                </a:solidFill>
-              </a:rPr>
-              <a:t>readers-writers</a:t>
-            </a:r>
             <a:r>
               <a:rPr lang="en-US" altLang="en-US" sz="2400" dirty="0"/>
-              <a:t> </a:t>
-            </a:r>
-            <a:r>
-              <a:rPr lang="en-US" altLang="en-US" sz="2400" dirty="0" smtClean="0"/>
-              <a:t>problem</a:t>
-            </a:r>
-            <a:endParaRPr lang="en-US" altLang="en-US" sz="2400" dirty="0"/>
-          </a:p>
-          <a:p>
-            <a:pPr lvl="1"/>
-            <a:r>
-              <a:rPr lang="en-US" altLang="en-US" sz="2400" dirty="0" smtClean="0"/>
-              <a:t>the </a:t>
-            </a:r>
-            <a:r>
-              <a:rPr lang="en-US" altLang="en-US" sz="2400">
-                <a:solidFill>
-                  <a:srgbClr val="0000FF"/>
-                </a:solidFill>
-              </a:rPr>
-              <a:t>dining-philosophers</a:t>
-            </a:r>
-            <a:r>
-              <a:rPr lang="en-US" altLang="en-US" sz="2400"/>
-              <a:t> </a:t>
-            </a:r>
-            <a:r>
-              <a:rPr lang="en-US" altLang="en-US" sz="2400" smtClean="0"/>
-              <a:t>problem</a:t>
-            </a:r>
-            <a:endParaRPr lang="en-US" altLang="en-US" sz="2400" dirty="0"/>
-          </a:p>
-          <a:p>
-            <a:r>
-              <a:rPr lang="en-US" altLang="en-US" sz="2400" dirty="0"/>
-              <a:t>Describe the tools used by Linux and Windows to solve synchronization </a:t>
-            </a:r>
-            <a:r>
-              <a:rPr lang="en-US" altLang="en-US" sz="2400" dirty="0" smtClean="0"/>
-              <a:t>problems</a:t>
-            </a:r>
-            <a:endParaRPr lang="en-US" altLang="en-US" sz="2400" dirty="0"/>
+              <a:t>Describe the tools used by Linux and Windows to solve synchronization problems</a:t>
+            </a:r>
           </a:p>
           <a:p>
             <a:r>
               <a:rPr lang="en-US" altLang="en-US" sz="2400" dirty="0"/>
               <a:t>Illustrate how POSIX and Java can be used to solve process synchronization problems</a:t>
-            </a:r>
-            <a:r>
-              <a:rPr lang="en-US" altLang="en-US" dirty="0"/>
-              <a:t/>
             </a:r>
             <a:br>
               <a:rPr lang="en-US" altLang="en-US" dirty="0"/>
@@ -15788,10 +15392,6 @@
             <a:br>
               <a:rPr lang="en-US" altLang="en-US" sz="2400" dirty="0"/>
             </a:br>
-            <a:r>
-              <a:rPr lang="en-US" altLang="en-US" sz="2400" dirty="0"/>
-              <a:t/>
-            </a:r>
             <a:br>
               <a:rPr lang="en-US" altLang="en-US" sz="2400" dirty="0"/>
             </a:br>
@@ -15815,10 +15415,6 @@
             <a:br>
               <a:rPr lang="en-US" altLang="en-US" sz="2400" dirty="0"/>
             </a:br>
-            <a:r>
-              <a:rPr lang="en-US" altLang="en-US" sz="2400" dirty="0"/>
-              <a:t/>
-            </a:r>
             <a:br>
               <a:rPr lang="en-US" altLang="en-US" sz="2400" dirty="0"/>
             </a:br>
@@ -15856,23 +15452,12 @@
               </a:rPr>
               <a:t> value;</a:t>
             </a:r>
-            <a:r>
-              <a:rPr lang="en-US" altLang="en-US" b="1" dirty="0">
-                <a:latin typeface="Courier New" panose="02070309020205020404" pitchFamily="49" charset="0"/>
-                <a:cs typeface="Courier New" panose="02070309020205020404" pitchFamily="49" charset="0"/>
-              </a:rPr>
-              <a:t/>
-            </a:r>
             <a:br>
               <a:rPr lang="en-US" altLang="en-US" b="1" dirty="0">
                 <a:latin typeface="Courier New" panose="02070309020205020404" pitchFamily="49" charset="0"/>
                 <a:cs typeface="Courier New" panose="02070309020205020404" pitchFamily="49" charset="0"/>
               </a:rPr>
             </a:br>
-            <a:r>
-              <a:rPr lang="en-US" altLang="en-US" dirty="0"/>
-              <a:t/>
-            </a:r>
             <a:br>
               <a:rPr lang="en-US" altLang="en-US" dirty="0"/>
             </a:br>
@@ -16048,13 +15633,8 @@
             <a:pPr lvl="1"/>
             <a:r>
               <a:rPr lang="en-US" altLang="en-US" sz="2400" dirty="0"/>
-              <a:t>condition </a:t>
-            </a:r>
-            <a:r>
-              <a:rPr lang="en-US" altLang="en-US" sz="2400" dirty="0" smtClean="0"/>
-              <a:t>variables</a:t>
-            </a:r>
-            <a:endParaRPr lang="en-US" altLang="en-US" sz="2400" dirty="0"/>
+              <a:t>condition variables</a:t>
+            </a:r>
           </a:p>
           <a:p>
             <a:r>
@@ -16145,38 +15725,18 @@
             <a:br>
               <a:rPr lang="en-US" altLang="en-US" sz="2000" dirty="0"/>
             </a:br>
-            <a:r>
-              <a:rPr lang="en-US" altLang="en-US" sz="2000" dirty="0"/>
-              <a:t/>
-            </a:r>
             <a:br>
               <a:rPr lang="en-US" altLang="en-US" sz="2000" dirty="0"/>
             </a:br>
-            <a:r>
-              <a:rPr lang="en-US" altLang="en-US" sz="2000" dirty="0"/>
-              <a:t/>
-            </a:r>
             <a:br>
               <a:rPr lang="en-US" altLang="en-US" sz="2000" dirty="0"/>
             </a:br>
-            <a:r>
-              <a:rPr lang="en-US" altLang="en-US" sz="2000" dirty="0"/>
-              <a:t/>
-            </a:r>
             <a:br>
               <a:rPr lang="en-US" altLang="en-US" sz="2000" dirty="0"/>
             </a:br>
-            <a:r>
-              <a:rPr lang="en-US" altLang="en-US" sz="2000" dirty="0"/>
-              <a:t/>
-            </a:r>
             <a:br>
               <a:rPr lang="en-US" altLang="en-US" sz="2000" dirty="0"/>
             </a:br>
-            <a:r>
-              <a:rPr lang="en-US" altLang="en-US" sz="2000" dirty="0"/>
-              <a:t/>
-            </a:r>
             <a:br>
               <a:rPr lang="en-US" altLang="en-US" sz="2000" dirty="0"/>
             </a:br>
@@ -16386,15 +15946,7 @@
           <a:p>
             <a:r>
               <a:rPr lang="en-US" altLang="en-US" sz="2400" dirty="0"/>
-              <a:t>POSIX provides two </a:t>
-            </a:r>
-            <a:r>
-              <a:rPr lang="en-US" altLang="en-US" sz="2400" dirty="0" smtClean="0"/>
-              <a:t>versions of semaphores </a:t>
-            </a:r>
-            <a:r>
-              <a:rPr lang="en-US" altLang="en-US" sz="2400" dirty="0"/>
-              <a:t>– </a:t>
+              <a:t>POSIX provides two versions of semaphores – </a:t>
             </a:r>
             <a:r>
               <a:rPr lang="en-US" altLang="en-US" sz="2400" b="1" dirty="0"/>
@@ -16405,7 +15957,7 @@
               <a:t> and </a:t>
             </a:r>
             <a:r>
-              <a:rPr lang="en-US" altLang="en-US" sz="2400" b="1" dirty="0" smtClean="0"/>
+              <a:rPr lang="en-US" altLang="en-US" sz="2400" b="1" dirty="0"/>
               <a:t>unnamed</a:t>
             </a:r>
             <a:endParaRPr lang="en-US" altLang="en-US" sz="2400" dirty="0"/>
@@ -16413,19 +15965,14 @@
           <a:p>
             <a:r>
               <a:rPr lang="en-US" altLang="en-US" sz="2400" dirty="0"/>
-              <a:t>Named semaphores can be used by unrelated </a:t>
-            </a:r>
-            <a:r>
-              <a:rPr lang="en-US" altLang="en-US" sz="2400" dirty="0" smtClean="0"/>
-              <a:t>processes</a:t>
-            </a:r>
-          </a:p>
-          <a:p>
-            <a:r>
-              <a:rPr lang="en-US" altLang="en-US" sz="2400" dirty="0" smtClean="0"/>
+              <a:t>Named semaphores can be used by unrelated processes</a:t>
+            </a:r>
+          </a:p>
+          <a:p>
+            <a:r>
+              <a:rPr lang="en-US" altLang="en-US" sz="2400" dirty="0"/>
               <a:t>Unnamed semaphores can be used only by threads in the same process</a:t>
             </a:r>
-            <a:endParaRPr lang="en-US" altLang="en-US" sz="2400" dirty="0"/>
           </a:p>
         </p:txBody>
       </p:sp>
@@ -16510,52 +16057,20 @@
           <a:p>
             <a:r>
               <a:rPr lang="en-US" altLang="en-US" sz="2000" dirty="0"/>
-              <a:t>Creating </a:t>
-            </a:r>
-            <a:r>
-              <a:rPr lang="en-US" altLang="en-US" sz="2000" dirty="0" smtClean="0"/>
-              <a:t>and </a:t>
-            </a:r>
-            <a:r>
-              <a:rPr lang="en-US" altLang="en-US" sz="2000" dirty="0"/>
-              <a:t>initializing the </a:t>
-            </a:r>
-            <a:r>
-              <a:rPr lang="en-US" altLang="en-US" sz="2000" dirty="0" smtClean="0"/>
-              <a:t>named semaphore</a:t>
-            </a:r>
-            <a:r>
-              <a:rPr lang="en-US" altLang="en-US" sz="2000" dirty="0"/>
-              <a:t>:</a:t>
+              <a:t>Creating and initializing the named semaphore:</a:t>
             </a:r>
             <a:br>
               <a:rPr lang="en-US" altLang="en-US" sz="2000" dirty="0"/>
             </a:br>
-            <a:r>
-              <a:rPr lang="en-US" altLang="en-US" sz="2000" dirty="0"/>
-              <a:t/>
-            </a:r>
             <a:br>
               <a:rPr lang="en-US" altLang="en-US" sz="2000" dirty="0"/>
             </a:br>
-            <a:r>
-              <a:rPr lang="en-US" altLang="en-US" sz="2000" dirty="0"/>
-              <a:t/>
-            </a:r>
             <a:br>
               <a:rPr lang="en-US" altLang="en-US" sz="2000" dirty="0"/>
             </a:br>
-            <a:r>
-              <a:rPr lang="en-US" altLang="en-US" sz="2000" dirty="0"/>
-              <a:t/>
-            </a:r>
             <a:br>
               <a:rPr lang="en-US" altLang="en-US" sz="2000" dirty="0"/>
             </a:br>
-            <a:r>
-              <a:rPr lang="en-US" altLang="en-US" sz="2000" dirty="0"/>
-              <a:t/>
-            </a:r>
             <a:br>
               <a:rPr lang="en-US" altLang="en-US" sz="2000" dirty="0"/>
             </a:br>
@@ -16567,7 +16082,7 @@
               <a:t>Another process can access the semaphore by referring to its name </a:t>
             </a:r>
             <a:r>
-              <a:rPr lang="en-US" altLang="en-US" sz="2000" b="1" dirty="0" smtClean="0">
+              <a:rPr lang="en-US" altLang="en-US" sz="2000" b="1" dirty="0">
                 <a:latin typeface="Courier New" panose="02070309020205020404" pitchFamily="49" charset="0"/>
                 <a:cs typeface="Courier New" panose="02070309020205020404" pitchFamily="49" charset="0"/>
               </a:rPr>
@@ -16779,59 +16294,23 @@
           <a:p>
             <a:r>
               <a:rPr lang="en-US" altLang="en-US" sz="2000" dirty="0"/>
-              <a:t>Creating </a:t>
-            </a:r>
-            <a:r>
-              <a:rPr lang="en-US" altLang="en-US" sz="2000" dirty="0" smtClean="0"/>
-              <a:t>and </a:t>
-            </a:r>
-            <a:r>
-              <a:rPr lang="en-US" altLang="en-US" sz="2000" dirty="0"/>
-              <a:t>initializing the </a:t>
-            </a:r>
-            <a:r>
-              <a:rPr lang="en-US" altLang="en-US" sz="2000" dirty="0" smtClean="0"/>
-              <a:t>unnamed semaphore</a:t>
-            </a:r>
-            <a:r>
-              <a:rPr lang="en-US" altLang="en-US" sz="2000" dirty="0"/>
-              <a:t>:</a:t>
+              <a:t>Creating and initializing the unnamed semaphore:</a:t>
             </a:r>
             <a:br>
               <a:rPr lang="en-US" altLang="en-US" sz="2000" dirty="0"/>
             </a:br>
-            <a:r>
-              <a:rPr lang="en-US" altLang="en-US" sz="2000" dirty="0"/>
-              <a:t/>
-            </a:r>
             <a:br>
               <a:rPr lang="en-US" altLang="en-US" sz="2000" dirty="0"/>
             </a:br>
-            <a:r>
-              <a:rPr lang="en-US" altLang="en-US" sz="2000" dirty="0"/>
-              <a:t/>
-            </a:r>
             <a:br>
               <a:rPr lang="en-US" altLang="en-US" sz="2000" dirty="0"/>
             </a:br>
-            <a:r>
-              <a:rPr lang="en-US" altLang="en-US" sz="2000" dirty="0"/>
-              <a:t/>
-            </a:r>
             <a:br>
               <a:rPr lang="en-US" altLang="en-US" sz="2000" dirty="0"/>
             </a:br>
-            <a:r>
-              <a:rPr lang="en-US" altLang="en-US" sz="2000" dirty="0"/>
-              <a:t/>
-            </a:r>
             <a:br>
               <a:rPr lang="en-US" altLang="en-US" sz="2000" dirty="0"/>
             </a:br>
-            <a:r>
-              <a:rPr lang="en-US" altLang="en-US" sz="2000" dirty="0"/>
-              <a:t/>
-            </a:r>
             <a:br>
               <a:rPr lang="en-US" altLang="en-US" sz="2000" dirty="0"/>
             </a:br>
@@ -17045,54 +16524,26 @@
           <a:p>
             <a:r>
               <a:rPr lang="en-US" altLang="en-US" sz="2400" dirty="0"/>
-              <a:t>Since POSIX is typically used in C/C++ and these languages do not provide a monitor, POSIX condition variables are associated with a POSIX mutex lock to provide mutual </a:t>
-            </a:r>
-            <a:r>
-              <a:rPr lang="en-US" altLang="en-US" sz="2400" dirty="0" smtClean="0"/>
-              <a:t>exclusion </a:t>
-            </a:r>
-          </a:p>
-          <a:p>
-            <a:r>
-              <a:rPr lang="en-US" altLang="en-US" sz="2400" dirty="0" smtClean="0"/>
-              <a:t>Creating </a:t>
-            </a:r>
+              <a:t>Since POSIX is typically used in C/C++ and these languages do not provide a monitor, POSIX condition variables are associated with a POSIX mutex lock to provide mutual exclusion </a:t>
+            </a:r>
+          </a:p>
+          <a:p>
             <a:r>
               <a:rPr lang="en-US" altLang="en-US" sz="2400" dirty="0"/>
-              <a:t>and initializing the condition variable:</a:t>
-            </a:r>
-            <a:r>
-              <a:rPr lang="en-US" altLang="en-US" dirty="0"/>
-              <a:t/>
+              <a:t>Creating and initializing the condition variable:</a:t>
             </a:r>
             <a:br>
               <a:rPr lang="en-US" altLang="en-US" dirty="0"/>
             </a:br>
-            <a:r>
-              <a:rPr lang="en-US" altLang="en-US" dirty="0"/>
-              <a:t/>
-            </a:r>
             <a:br>
               <a:rPr lang="en-US" altLang="en-US" dirty="0"/>
             </a:br>
-            <a:r>
-              <a:rPr lang="en-US" altLang="en-US" dirty="0"/>
-              <a:t/>
-            </a:r>
             <a:br>
               <a:rPr lang="en-US" altLang="en-US" dirty="0"/>
             </a:br>
-            <a:r>
-              <a:rPr lang="en-US" altLang="en-US" dirty="0"/>
-              <a:t/>
-            </a:r>
             <a:br>
               <a:rPr lang="en-US" altLang="en-US" dirty="0"/>
             </a:br>
-            <a:r>
-              <a:rPr lang="en-US" altLang="en-US" dirty="0"/>
-              <a:t/>
-            </a:r>
             <a:br>
               <a:rPr lang="en-US" altLang="en-US" dirty="0"/>
             </a:br>
@@ -17252,38 +16703,18 @@
             <a:br>
               <a:rPr lang="en-US" altLang="en-US" sz="2000" dirty="0"/>
             </a:br>
-            <a:r>
-              <a:rPr lang="en-US" altLang="en-US" sz="2000" dirty="0"/>
-              <a:t/>
-            </a:r>
             <a:br>
               <a:rPr lang="en-US" altLang="en-US" sz="2000" dirty="0"/>
             </a:br>
-            <a:r>
-              <a:rPr lang="en-US" altLang="en-US" sz="2000" dirty="0"/>
-              <a:t/>
-            </a:r>
             <a:br>
               <a:rPr lang="en-US" altLang="en-US" sz="2000" dirty="0"/>
             </a:br>
-            <a:r>
-              <a:rPr lang="en-US" altLang="en-US" sz="2000" dirty="0"/>
-              <a:t/>
-            </a:r>
             <a:br>
               <a:rPr lang="en-US" altLang="en-US" sz="2000" dirty="0"/>
             </a:br>
-            <a:r>
-              <a:rPr lang="en-US" altLang="en-US" sz="2000" dirty="0"/>
-              <a:t/>
-            </a:r>
             <a:br>
               <a:rPr lang="en-US" altLang="en-US" sz="2000" dirty="0"/>
             </a:br>
-            <a:r>
-              <a:rPr lang="en-US" altLang="en-US" sz="2000" dirty="0"/>
-              <a:t/>
-            </a:r>
             <a:br>
               <a:rPr lang="en-US" altLang="en-US" sz="2000" dirty="0"/>
             </a:br>
@@ -17633,13 +17064,8 @@
           <a:p>
             <a:r>
               <a:rPr lang="en-US" altLang="en-US" sz="2400" dirty="0"/>
-              <a:t>Every Java object has associated with it a single </a:t>
-            </a:r>
-            <a:r>
-              <a:rPr lang="en-US" altLang="en-US" sz="2400" dirty="0" smtClean="0"/>
-              <a:t>lock</a:t>
-            </a:r>
-            <a:endParaRPr lang="en-US" altLang="en-US" sz="2400" dirty="0"/>
+              <a:t>Every Java object has associated with it a single lock</a:t>
+            </a:r>
           </a:p>
           <a:p>
             <a:r>
@@ -17655,24 +17081,14 @@
             </a:r>
             <a:r>
               <a:rPr lang="en-US" altLang="en-US" sz="2400" dirty="0"/>
-              <a:t>, a calling thread must own the lock for the </a:t>
-            </a:r>
-            <a:r>
-              <a:rPr lang="en-US" altLang="en-US" sz="2400" dirty="0" smtClean="0"/>
-              <a:t>object</a:t>
-            </a:r>
-            <a:endParaRPr lang="en-US" altLang="en-US" sz="2400" dirty="0"/>
+              <a:t>, a calling thread must own the lock for the object</a:t>
+            </a:r>
           </a:p>
           <a:p>
             <a:r>
               <a:rPr lang="en-US" altLang="en-US" sz="2400" dirty="0"/>
-              <a:t>If the lock is owned by another thread, the calling thread must wait for the lock until it is </a:t>
-            </a:r>
-            <a:r>
-              <a:rPr lang="en-US" altLang="en-US" sz="2400" dirty="0" smtClean="0"/>
-              <a:t>released</a:t>
-            </a:r>
-            <a:endParaRPr lang="en-US" altLang="en-US" sz="2400" dirty="0"/>
+              <a:t>If the lock is owned by another thread, the calling thread must wait for the lock until it is released</a:t>
+            </a:r>
           </a:p>
           <a:p>
             <a:r>
@@ -17688,13 +17104,8 @@
             </a:r>
             <a:r>
               <a:rPr lang="en-US" altLang="en-US" sz="2400" dirty="0"/>
-              <a:t> </a:t>
-            </a:r>
-            <a:r>
-              <a:rPr lang="en-US" altLang="en-US" sz="2400" dirty="0" smtClean="0"/>
-              <a:t>method</a:t>
-            </a:r>
-            <a:endParaRPr lang="en-US" altLang="en-US" sz="2400" dirty="0"/>
+              <a:t> method</a:t>
+            </a:r>
           </a:p>
         </p:txBody>
       </p:sp>
@@ -17785,15 +17196,7 @@
           <a:p>
             <a:r>
               <a:rPr lang="en-US" altLang="en-US" sz="2400" dirty="0"/>
-              <a:t>Classical problems used to test </a:t>
-            </a:r>
-            <a:r>
-              <a:rPr lang="en-US" altLang="en-US" sz="2400" dirty="0" smtClean="0"/>
-              <a:t>newly-proposed </a:t>
-            </a:r>
-            <a:r>
-              <a:rPr lang="en-US" altLang="en-US" sz="2400" dirty="0"/>
-              <a:t>synchronization schemes</a:t>
+              <a:t>Classical problems used to test newly-proposed synchronization schemes</a:t>
             </a:r>
           </a:p>
           <a:p>
@@ -18415,21 +17818,8 @@
             </a:pPr>
             <a:r>
               <a:rPr lang="en-US" sz="2400" dirty="0"/>
-              <a:t>A thread typically calls wait() when it is waiting for a condition </a:t>
-            </a:r>
-            <a:r>
-              <a:rPr lang="en-US" sz="2400" dirty="0" smtClean="0"/>
-              <a:t>to </a:t>
-            </a:r>
-            <a:r>
-              <a:rPr lang="en-US" sz="2400" dirty="0"/>
-              <a:t>become </a:t>
-            </a:r>
-            <a:r>
-              <a:rPr lang="en-US" sz="2400" dirty="0" smtClean="0"/>
-              <a:t>true</a:t>
-            </a:r>
-            <a:endParaRPr lang="en-US" sz="2400" dirty="0"/>
+              <a:t>A thread typically calls wait() when it is waiting for a condition to become true</a:t>
+            </a:r>
           </a:p>
           <a:p>
             <a:pPr>
@@ -18491,13 +17881,8 @@
             </a:pPr>
             <a:r>
               <a:rPr lang="en-US" sz="2400" dirty="0"/>
-              <a:t>Set the state of T from blocked to </a:t>
-            </a:r>
-            <a:r>
-              <a:rPr lang="en-US" sz="2400" dirty="0" smtClean="0"/>
-              <a:t>runnable</a:t>
-            </a:r>
-            <a:endParaRPr lang="en-US" sz="2400" dirty="0"/>
+              <a:t>Set the state of T from blocked to runnable</a:t>
+            </a:r>
           </a:p>
           <a:p>
             <a:pPr>
@@ -18505,13 +17890,8 @@
             </a:pPr>
             <a:r>
               <a:rPr lang="en-US" sz="2400" dirty="0"/>
-              <a:t>T can now compete for the lock to check if the condition it was waiting for is now </a:t>
-            </a:r>
-            <a:r>
-              <a:rPr lang="en-US" sz="2400" dirty="0" smtClean="0"/>
-              <a:t>true</a:t>
-            </a:r>
-            <a:endParaRPr lang="en-US" sz="2400" dirty="0"/>
+              <a:t>T can now compete for the lock to check if the condition it was waiting for is now true</a:t>
+            </a:r>
           </a:p>
         </p:txBody>
       </p:sp>
@@ -18906,13 +18286,8 @@
             </a:r>
             <a:r>
               <a:rPr lang="en-US" altLang="en-US" sz="2400" dirty="0"/>
-              <a:t> </a:t>
-            </a:r>
-            <a:r>
-              <a:rPr lang="en-US" altLang="en-US" sz="2400" dirty="0" smtClean="0"/>
-              <a:t>block</a:t>
-            </a:r>
-            <a:endParaRPr lang="en-US" altLang="en-US" sz="2400" dirty="0"/>
+              <a:t> block</a:t>
+            </a:r>
           </a:p>
           <a:p>
             <a:endParaRPr lang="en-US" altLang="en-US" dirty="0"/>
@@ -19071,10 +18446,6 @@
             <a:br>
               <a:rPr lang="en-US" altLang="en-US" sz="2400" dirty="0"/>
             </a:br>
-            <a:r>
-              <a:rPr lang="en-US" altLang="en-US" sz="2400" dirty="0"/>
-              <a:t/>
-            </a:r>
             <a:br>
               <a:rPr lang="en-US" altLang="en-US" sz="2400" dirty="0"/>
             </a:br>
@@ -19349,17 +18720,9 @@
             <a:br>
               <a:rPr lang="en-US" altLang="en-US" sz="2400" dirty="0"/>
             </a:br>
-            <a:r>
-              <a:rPr lang="en-US" altLang="en-US" sz="2400" dirty="0"/>
-              <a:t/>
-            </a:r>
             <a:br>
               <a:rPr lang="en-US" altLang="en-US" sz="2400" dirty="0"/>
             </a:br>
-            <a:r>
-              <a:rPr lang="en-US" altLang="en-US" sz="2400" dirty="0"/>
-              <a:t/>
-            </a:r>
             <a:br>
               <a:rPr lang="en-US" altLang="en-US" sz="2400" dirty="0"/>
             </a:br>
@@ -19390,13 +18753,8 @@
             </a:r>
             <a:r>
               <a:rPr lang="en-US" altLang="en-US" sz="2400" dirty="0"/>
-              <a:t> </a:t>
-            </a:r>
-            <a:r>
-              <a:rPr lang="en-US" altLang="en-US" sz="2400" dirty="0" smtClean="0"/>
-              <a:t>method</a:t>
-            </a:r>
-            <a:endParaRPr lang="en-US" altLang="en-US" sz="2400" dirty="0"/>
+              <a:t> method</a:t>
+            </a:r>
           </a:p>
           <a:p>
             <a:endParaRPr lang="en-US" altLang="en-US" dirty="0"/>
@@ -19573,13 +18931,8 @@
             </a:r>
             <a:r>
               <a:rPr lang="en-US" altLang="en-US" sz="2000" dirty="0"/>
-              <a:t> indicating which thread’s turn it </a:t>
-            </a:r>
-            <a:r>
-              <a:rPr lang="en-US" altLang="en-US" sz="2000" dirty="0" smtClean="0"/>
-              <a:t>is</a:t>
-            </a:r>
-            <a:endParaRPr lang="en-US" altLang="en-US" sz="2000" dirty="0"/>
+              <a:t> indicating which thread’s turn it is</a:t>
+            </a:r>
           </a:p>
           <a:p>
             <a:r>
@@ -19602,13 +18955,8 @@
             </a:r>
             <a:r>
               <a:rPr lang="en-US" altLang="en-US" sz="2000" dirty="0"/>
-              <a:t> when it wishes to do some work. (But it may only do work if it is their </a:t>
-            </a:r>
-            <a:r>
-              <a:rPr lang="en-US" altLang="en-US" sz="2000" dirty="0" smtClean="0"/>
-              <a:t>turn</a:t>
-            </a:r>
-            <a:endParaRPr lang="en-US" altLang="en-US" sz="2000" dirty="0"/>
+              <a:t> when it wishes to do some work. (But it may only do work if it is their turn</a:t>
+            </a:r>
           </a:p>
           <a:p>
             <a:r>
@@ -19629,30 +18977,17 @@
           <a:p>
             <a:r>
               <a:rPr lang="is-IS" altLang="en-US" sz="2000" dirty="0"/>
-              <a:t>When completed, notify the thread whose turn is </a:t>
-            </a:r>
-            <a:r>
-              <a:rPr lang="is-IS" altLang="en-US" sz="2000" dirty="0" smtClean="0"/>
-              <a:t>next</a:t>
-            </a:r>
-            <a:endParaRPr lang="is-IS" altLang="en-US" sz="2000" dirty="0"/>
+              <a:t>When completed, notify the thread whose turn is next</a:t>
+            </a:r>
           </a:p>
           <a:p>
             <a:r>
               <a:rPr lang="is-IS" altLang="en-US" sz="2000" dirty="0"/>
               <a:t>Necessary data structures:</a:t>
-            </a:r>
-            <a:r>
-              <a:rPr lang="is-IS" altLang="en-US" dirty="0"/>
-              <a:t/>
             </a:r>
             <a:br>
               <a:rPr lang="is-IS" altLang="en-US" dirty="0"/>
             </a:br>
-            <a:r>
-              <a:rPr lang="is-IS" altLang="en-US" dirty="0"/>
-              <a:t/>
-            </a:r>
             <a:br>
               <a:rPr lang="is-IS" altLang="en-US" dirty="0"/>
             </a:br>
@@ -20370,31 +19705,15 @@
             <a:br>
               <a:rPr lang="en-US" altLang="en-US" sz="2000" dirty="0"/>
             </a:br>
-            <a:r>
-              <a:rPr lang="en-US" altLang="en-US" sz="2000" dirty="0"/>
-              <a:t/>
-            </a:r>
             <a:br>
               <a:rPr lang="en-US" altLang="en-US" sz="2000" dirty="0"/>
             </a:br>
-            <a:r>
-              <a:rPr lang="en-US" altLang="en-US" sz="2000" dirty="0"/>
-              <a:t/>
-            </a:r>
             <a:br>
               <a:rPr lang="en-US" altLang="en-US" sz="2000" dirty="0"/>
             </a:br>
-            <a:r>
-              <a:rPr lang="en-US" altLang="en-US" sz="2000" dirty="0"/>
-              <a:t/>
-            </a:r>
             <a:br>
               <a:rPr lang="en-US" altLang="en-US" sz="2000" dirty="0"/>
             </a:br>
-            <a:r>
-              <a:rPr lang="en-US" altLang="en-US" sz="2000" dirty="0"/>
-              <a:t/>
-            </a:r>
             <a:br>
               <a:rPr lang="en-US" altLang="en-US" sz="2000" dirty="0"/>
             </a:br>
@@ -20408,7 +19727,7 @@
           </a:p>
           <a:p>
             <a:r>
-              <a:rPr lang="en-US" altLang="en-US" sz="2000" dirty="0" smtClean="0"/>
+              <a:rPr lang="en-US" altLang="en-US" sz="2000" dirty="0"/>
               <a:t>A </a:t>
             </a:r>
             <a:r>
@@ -20874,13 +20193,8 @@
           <a:p>
             <a:r>
               <a:rPr lang="en-US" altLang="en-US" sz="2000" dirty="0"/>
-              <a:t>OpenMP is a set of compiler directives and API that support parallel </a:t>
-            </a:r>
-            <a:r>
-              <a:rPr lang="en-US" altLang="en-US" sz="2000" dirty="0" smtClean="0"/>
-              <a:t>programming</a:t>
-            </a:r>
-            <a:endParaRPr lang="en-US" altLang="en-US" sz="2000" dirty="0"/>
+              <a:t>OpenMP is a set of compiler directives and API that support parallel programming</a:t>
+            </a:r>
           </a:p>
           <a:p>
             <a:pPr>
@@ -20891,7 +20205,7 @@
               <a:buNone/>
             </a:pPr>
             <a:r>
-              <a:rPr lang="en-US" altLang="en-US" sz="2000" b="1" dirty="0" smtClean="0">
+              <a:rPr lang="en-US" altLang="en-US" sz="2000" dirty="0">
                 <a:solidFill>
                   <a:srgbClr val="000000"/>
                 </a:solidFill>
@@ -20900,34 +20214,25 @@
               <a:t>             </a:t>
             </a:r>
             <a:r>
-              <a:rPr lang="en-US" altLang="en-US" sz="2400" b="1" dirty="0" smtClean="0">
+              <a:rPr lang="en-US" altLang="en-US" sz="2400" dirty="0">
                 <a:solidFill>
                   <a:srgbClr val="000000"/>
                 </a:solidFill>
                 <a:latin typeface="Courier New" panose="02070309020205020404" pitchFamily="49" charset="0"/>
               </a:rPr>
-              <a:t>void </a:t>
-            </a:r>
-            <a:r>
-              <a:rPr lang="en-US" altLang="en-US" sz="2400" b="1" dirty="0">
+              <a:t>void update(</a:t>
+            </a:r>
+            <a:r>
+              <a:rPr lang="en-US" altLang="en-US" sz="2400" dirty="0" err="1">
                 <a:solidFill>
                   <a:srgbClr val="000000"/>
                 </a:solidFill>
                 <a:latin typeface="Courier New" panose="02070309020205020404" pitchFamily="49" charset="0"/>
               </a:rPr>
-              <a:t>update(</a:t>
-            </a:r>
-            <a:r>
-              <a:rPr lang="en-US" altLang="en-US" sz="2400" b="1" dirty="0" err="1">
-                <a:solidFill>
-                  <a:srgbClr val="000000"/>
-                </a:solidFill>
-                <a:latin typeface="Courier New" panose="02070309020205020404" pitchFamily="49" charset="0"/>
-              </a:rPr>
               <a:t>int</a:t>
             </a:r>
             <a:r>
-              <a:rPr lang="en-US" altLang="en-US" sz="2400" b="1" dirty="0">
+              <a:rPr lang="en-US" altLang="en-US" sz="2400" dirty="0">
                 <a:solidFill>
                   <a:srgbClr val="000000"/>
                 </a:solidFill>
@@ -20945,7 +20250,7 @@
               <a:buNone/>
             </a:pPr>
             <a:r>
-              <a:rPr lang="en-US" altLang="en-US" sz="2400" b="1" dirty="0">
+              <a:rPr lang="en-US" altLang="en-US" sz="2400" dirty="0">
                 <a:solidFill>
                   <a:srgbClr val="000000"/>
                 </a:solidFill>
@@ -21026,7 +20331,7 @@
               <a:buNone/>
             </a:pPr>
             <a:r>
-              <a:rPr lang="en-US" altLang="en-US" sz="2400" b="1" dirty="0">
+              <a:rPr lang="en-US" altLang="en-US" sz="2400" dirty="0">
                 <a:solidFill>
                   <a:srgbClr val="000000"/>
                 </a:solidFill>
@@ -21068,32 +20373,22 @@
                 </a:solidFill>
                 <a:latin typeface="Courier New" panose="02070309020205020404" pitchFamily="49" charset="0"/>
               </a:rPr>
-              <a:t>			 </a:t>
-            </a:r>
-            <a:r>
-              <a:rPr lang="en-US" altLang="en-US" sz="2400" b="1" dirty="0" smtClean="0">
+              <a:t>		</a:t>
+            </a:r>
+            <a:r>
+              <a:rPr lang="en-US" altLang="en-US" sz="2400" dirty="0">
                 <a:solidFill>
                   <a:srgbClr val="000000"/>
                 </a:solidFill>
                 <a:latin typeface="Courier New" panose="02070309020205020404" pitchFamily="49" charset="0"/>
               </a:rPr>
-              <a:t>}</a:t>
-            </a:r>
-            <a:endParaRPr lang="en-US" altLang="en-US" sz="2400" b="1" dirty="0">
-              <a:solidFill>
-                <a:srgbClr val="000000"/>
-              </a:solidFill>
-              <a:latin typeface="Courier New" panose="02070309020205020404" pitchFamily="49" charset="0"/>
-            </a:endParaRPr>
-          </a:p>
-          <a:p>
-            <a:r>
-              <a:rPr lang="en-US" altLang="en-US" sz="2000" dirty="0" smtClean="0"/>
-              <a:t>The </a:t>
-            </a:r>
+              <a:t>	 }</a:t>
+            </a:r>
+          </a:p>
+          <a:p>
             <a:r>
               <a:rPr lang="en-US" altLang="en-US" sz="2000" dirty="0"/>
-              <a:t>code contained within the </a:t>
+              <a:t>The code contained within the </a:t>
             </a:r>
             <a:r>
               <a:rPr lang="en-US" altLang="en-US" sz="2000" b="1" dirty="0">
@@ -21115,13 +20410,8 @@
             </a:r>
             <a:r>
               <a:rPr lang="en-US" altLang="en-US" sz="2000" dirty="0"/>
-              <a:t>directive is treated as a critical section and performed </a:t>
-            </a:r>
-            <a:r>
-              <a:rPr lang="en-US" altLang="en-US" sz="2000" dirty="0" smtClean="0"/>
-              <a:t>atomically</a:t>
-            </a:r>
-            <a:endParaRPr lang="en-US" altLang="en-US" sz="2000" dirty="0"/>
+              <a:t>directive is treated as a critical section and performed atomically</a:t>
+            </a:r>
           </a:p>
           <a:p>
             <a:pPr>
@@ -21387,13 +20677,8 @@
             </a:r>
             <a:r>
               <a:rPr lang="en-US" altLang="en-US" sz="2400" dirty="0"/>
-              <a:t> maintain </a:t>
-            </a:r>
-            <a:r>
-              <a:rPr lang="en-US" altLang="en-US" sz="2400" dirty="0" smtClean="0"/>
-              <a:t>state </a:t>
-            </a:r>
-            <a:endParaRPr lang="en-US" altLang="en-US" sz="2400" dirty="0"/>
+              <a:t> maintain state </a:t>
+            </a:r>
           </a:p>
           <a:p>
             <a:r>
@@ -21410,34 +20695,20 @@
             </a:r>
             <a:r>
               <a:rPr lang="en-US" altLang="en-US" sz="2400" dirty="0"/>
-              <a:t> and cannot change state once they have been assigned a </a:t>
-            </a:r>
-            <a:r>
-              <a:rPr lang="en-US" altLang="en-US" sz="2400" dirty="0" smtClean="0"/>
-              <a:t>value</a:t>
-            </a:r>
-            <a:endParaRPr lang="en-US" altLang="en-US" sz="2400" dirty="0"/>
-          </a:p>
-          <a:p>
-            <a:r>
-              <a:rPr lang="en-US" altLang="en-US" sz="2400" dirty="0" smtClean="0"/>
+              <a:t> and cannot change state once they have been assigned a value</a:t>
+            </a:r>
+          </a:p>
+          <a:p>
+            <a:r>
+              <a:rPr lang="en-US" altLang="en-US" sz="2400" dirty="0"/>
               <a:t>Most of the synchronization problems do not exist in functional languages</a:t>
             </a:r>
           </a:p>
           <a:p>
             <a:r>
-              <a:rPr lang="en-US" altLang="en-US" sz="2400" dirty="0" smtClean="0"/>
-              <a:t>There </a:t>
-            </a:r>
-            <a:r>
               <a:rPr lang="en-US" altLang="en-US" sz="2400" dirty="0"/>
-              <a:t>is increasing interest in functional languages such as Erlang and Scala for their approach in handling data </a:t>
-            </a:r>
-            <a:r>
-              <a:rPr lang="en-US" altLang="en-US" sz="2400" dirty="0" smtClean="0"/>
-              <a:t>races</a:t>
-            </a:r>
-            <a:endParaRPr lang="en-US" altLang="en-US" sz="2400" dirty="0"/>
+              <a:t>There is increasing interest in functional languages such as Erlang and Scala for their approach in handling data races</a:t>
+            </a:r>
           </a:p>
           <a:p>
             <a:pPr>
@@ -21795,16 +21066,10 @@
               <a:buNone/>
             </a:pPr>
             <a:r>
-              <a:rPr lang="en-US" altLang="en-US" sz="2000" dirty="0" smtClean="0">
-                <a:latin typeface="Courier New" panose="02070309020205020404" pitchFamily="49" charset="0"/>
-              </a:rPr>
-              <a:t>     </a:t>
-            </a:r>
-            <a:r>
               <a:rPr lang="en-US" altLang="en-US" sz="2000" dirty="0">
                 <a:latin typeface="Courier New" panose="02070309020205020404" pitchFamily="49" charset="0"/>
               </a:rPr>
-              <a:t>while (true) { </a:t>
+              <a:t>     while (true) { </a:t>
             </a:r>
           </a:p>
           <a:p>
@@ -21863,7 +21128,16 @@
               <a:rPr lang="en-US" altLang="en-US" sz="2000" b="1" dirty="0">
                 <a:latin typeface="Courier New" panose="02070309020205020404" pitchFamily="49" charset="0"/>
               </a:rPr>
-              <a:t>        wait(empty); </a:t>
+              <a:t>        </a:t>
+            </a:r>
+            <a:r>
+              <a:rPr lang="en-US" altLang="en-US" sz="2000" b="1" dirty="0">
+                <a:solidFill>
+                  <a:srgbClr val="0000FF"/>
+                </a:solidFill>
+                <a:latin typeface="Courier New" panose="02070309020205020404" pitchFamily="49" charset="0"/>
+              </a:rPr>
+              <a:t>wait(empty); </a:t>
             </a:r>
           </a:p>
           <a:p>
@@ -21901,22 +21175,16 @@
               <a:t>        /* add </a:t>
             </a:r>
             <a:r>
-              <a:rPr lang="en-US" altLang="en-US" sz="2000" dirty="0" err="1" smtClean="0">
+              <a:rPr lang="en-US" altLang="en-US" sz="2000" dirty="0" err="1">
                 <a:latin typeface="Courier New" panose="02070309020205020404" pitchFamily="49" charset="0"/>
               </a:rPr>
               <a:t>next_produced</a:t>
             </a:r>
             <a:r>
-              <a:rPr lang="en-US" altLang="en-US" sz="2000" dirty="0" smtClean="0">
-                <a:latin typeface="Courier New" panose="02070309020205020404" pitchFamily="49" charset="0"/>
-              </a:rPr>
-              <a:t> </a:t>
-            </a:r>
-            <a:r>
               <a:rPr lang="en-US" altLang="en-US" sz="2000" dirty="0">
                 <a:latin typeface="Courier New" panose="02070309020205020404" pitchFamily="49" charset="0"/>
               </a:rPr>
-              <a:t>to the buffer */ </a:t>
+              <a:t> to the buffer */ </a:t>
             </a:r>
           </a:p>
           <a:p>
@@ -21952,7 +21220,16 @@
               <a:rPr lang="en-US" altLang="en-US" sz="2000" b="1" dirty="0">
                 <a:latin typeface="Courier New" panose="02070309020205020404" pitchFamily="49" charset="0"/>
               </a:rPr>
-              <a:t>        signal(full); </a:t>
+              <a:t>        </a:t>
+            </a:r>
+            <a:r>
+              <a:rPr lang="en-US" altLang="en-US" sz="2000" b="1" dirty="0">
+                <a:solidFill>
+                  <a:srgbClr val="0000FF"/>
+                </a:solidFill>
+                <a:latin typeface="Courier New" panose="02070309020205020404" pitchFamily="49" charset="0"/>
+              </a:rPr>
+              <a:t>signal(full); </a:t>
             </a:r>
           </a:p>
           <a:p>
@@ -21965,12 +21242,6 @@
                 <a:latin typeface="Courier New" panose="02070309020205020404" pitchFamily="49" charset="0"/>
               </a:rPr>
               <a:t>     }</a:t>
-            </a:r>
-            <a:r>
-              <a:rPr lang="en-US" altLang="en-US" b="1" dirty="0">
-                <a:latin typeface="Courier New" panose="02070309020205020404" pitchFamily="49" charset="0"/>
-              </a:rPr>
-              <a:t/>
             </a:r>
             <a:br>
               <a:rPr lang="en-US" altLang="en-US" b="1" dirty="0">
@@ -22079,18 +21350,11 @@
               <a:buNone/>
             </a:pPr>
             <a:r>
-              <a:rPr lang="en-US" altLang="en-US" sz="2000" dirty="0" smtClean="0">
+              <a:rPr lang="en-US" altLang="en-US" sz="2000" dirty="0">
                 <a:latin typeface="Courier New" panose="02070309020205020404" pitchFamily="49" charset="0"/>
                 <a:cs typeface="Courier New" panose="02070309020205020404" pitchFamily="49" charset="0"/>
               </a:rPr>
-              <a:t>     </a:t>
-            </a:r>
-            <a:r>
-              <a:rPr lang="en-US" altLang="en-US" sz="2000" dirty="0">
-                <a:latin typeface="Courier New" panose="02070309020205020404" pitchFamily="49" charset="0"/>
-                <a:cs typeface="Courier New" panose="02070309020205020404" pitchFamily="49" charset="0"/>
-              </a:rPr>
-              <a:t>while (true) { </a:t>
+              <a:t>     while (true) { </a:t>
             </a:r>
           </a:p>
           <a:p>
@@ -22103,7 +21367,17 @@
                 <a:latin typeface="Courier New" panose="02070309020205020404" pitchFamily="49" charset="0"/>
                 <a:cs typeface="Courier New" panose="02070309020205020404" pitchFamily="49" charset="0"/>
               </a:rPr>
-              <a:t>        wait(full); </a:t>
+              <a:t>        </a:t>
+            </a:r>
+            <a:r>
+              <a:rPr lang="en-US" altLang="en-US" sz="2000" b="1" dirty="0">
+                <a:solidFill>
+                  <a:srgbClr val="0000FF"/>
+                </a:solidFill>
+                <a:latin typeface="Courier New" panose="02070309020205020404" pitchFamily="49" charset="0"/>
+                <a:cs typeface="Courier New" panose="02070309020205020404" pitchFamily="49" charset="0"/>
+              </a:rPr>
+              <a:t>wait(full); </a:t>
             </a:r>
           </a:p>
           <a:p>
@@ -22142,21 +21416,7 @@
                 <a:latin typeface="Courier New" panose="02070309020205020404" pitchFamily="49" charset="0"/>
                 <a:cs typeface="Courier New" panose="02070309020205020404" pitchFamily="49" charset="0"/>
               </a:rPr>
-              <a:t>      </a:t>
-            </a:r>
-            <a:r>
-              <a:rPr lang="en-US" altLang="en-US" sz="2000" dirty="0" smtClean="0">
-                <a:latin typeface="Courier New" panose="02070309020205020404" pitchFamily="49" charset="0"/>
-                <a:cs typeface="Courier New" panose="02070309020205020404" pitchFamily="49" charset="0"/>
-              </a:rPr>
-              <a:t> /* </a:t>
-            </a:r>
-            <a:r>
-              <a:rPr lang="en-US" altLang="en-US" sz="2000" dirty="0">
-                <a:latin typeface="Courier New" panose="02070309020205020404" pitchFamily="49" charset="0"/>
-                <a:cs typeface="Courier New" panose="02070309020205020404" pitchFamily="49" charset="0"/>
-              </a:rPr>
-              <a:t>remove an item from buffer to </a:t>
+              <a:t>       /* remove an item from buffer to </a:t>
             </a:r>
             <a:r>
               <a:rPr lang="en-US" altLang="en-US" sz="2000" dirty="0" err="1">
@@ -22209,7 +21469,17 @@
                 <a:latin typeface="Courier New" panose="02070309020205020404" pitchFamily="49" charset="0"/>
                 <a:cs typeface="Courier New" panose="02070309020205020404" pitchFamily="49" charset="0"/>
               </a:rPr>
-              <a:t>        signal(empty); </a:t>
+              <a:t>        </a:t>
+            </a:r>
+            <a:r>
+              <a:rPr lang="en-US" altLang="en-US" sz="2000" b="1" dirty="0">
+                <a:solidFill>
+                  <a:srgbClr val="0000FF"/>
+                </a:solidFill>
+                <a:latin typeface="Courier New" panose="02070309020205020404" pitchFamily="49" charset="0"/>
+                <a:cs typeface="Courier New" panose="02070309020205020404" pitchFamily="49" charset="0"/>
+              </a:rPr>
+              <a:t>signal(empty); </a:t>
             </a:r>
           </a:p>
           <a:p>
@@ -22242,42 +21512,21 @@
                 <a:latin typeface="Courier New" panose="02070309020205020404" pitchFamily="49" charset="0"/>
                 <a:cs typeface="Courier New" panose="02070309020205020404" pitchFamily="49" charset="0"/>
               </a:rPr>
-              <a:t>       </a:t>
-            </a:r>
-            <a:r>
-              <a:rPr lang="en-US" altLang="en-US" sz="2000" dirty="0" smtClean="0">
+              <a:t>       /* consume the item in </a:t>
+            </a:r>
+            <a:r>
+              <a:rPr lang="en-US" altLang="en-US" sz="2000" dirty="0" err="1">
                 <a:latin typeface="Courier New" panose="02070309020205020404" pitchFamily="49" charset="0"/>
                 <a:cs typeface="Courier New" panose="02070309020205020404" pitchFamily="49" charset="0"/>
               </a:rPr>
-              <a:t>/* </a:t>
+              <a:t>next_consumed</a:t>
             </a:r>
             <a:r>
               <a:rPr lang="en-US" altLang="en-US" sz="2000" dirty="0">
                 <a:latin typeface="Courier New" panose="02070309020205020404" pitchFamily="49" charset="0"/>
                 <a:cs typeface="Courier New" panose="02070309020205020404" pitchFamily="49" charset="0"/>
               </a:rPr>
-              <a:t>consume the item in </a:t>
-            </a:r>
-            <a:r>
-              <a:rPr lang="en-US" altLang="en-US" sz="2000" dirty="0" err="1" smtClean="0">
-                <a:latin typeface="Courier New" panose="02070309020205020404" pitchFamily="49" charset="0"/>
-                <a:cs typeface="Courier New" panose="02070309020205020404" pitchFamily="49" charset="0"/>
-              </a:rPr>
-              <a:t>next_consumed</a:t>
-            </a:r>
-            <a:r>
-              <a:rPr lang="en-US" altLang="en-US" sz="2000" dirty="0" smtClean="0">
-                <a:latin typeface="Courier New" panose="02070309020205020404" pitchFamily="49" charset="0"/>
-                <a:cs typeface="Courier New" panose="02070309020205020404" pitchFamily="49" charset="0"/>
-              </a:rPr>
-              <a:t> </a:t>
-            </a:r>
-            <a:r>
-              <a:rPr lang="en-US" altLang="en-US" sz="2000" dirty="0">
-                <a:latin typeface="Courier New" panose="02070309020205020404" pitchFamily="49" charset="0"/>
-                <a:cs typeface="Courier New" panose="02070309020205020404" pitchFamily="49" charset="0"/>
-              </a:rPr>
-              <a:t>*/ </a:t>
+              <a:t> */ </a:t>
             </a:r>
           </a:p>
           <a:p>
@@ -22303,19 +21552,8 @@
                 <a:latin typeface="Courier New" panose="02070309020205020404" pitchFamily="49" charset="0"/>
                 <a:cs typeface="Courier New" panose="02070309020205020404" pitchFamily="49" charset="0"/>
               </a:rPr>
-              <a:t>  </a:t>
-            </a:r>
-            <a:r>
-              <a:rPr lang="en-US" altLang="en-US" sz="2000" dirty="0" smtClean="0">
-                <a:latin typeface="Courier New" panose="02070309020205020404" pitchFamily="49" charset="0"/>
-                <a:cs typeface="Courier New" panose="02070309020205020404" pitchFamily="49" charset="0"/>
-              </a:rPr>
-              <a:t>}</a:t>
-            </a:r>
-            <a:endParaRPr lang="en-US" altLang="en-US" sz="2000" dirty="0">
-              <a:latin typeface="Courier New" panose="02070309020205020404" pitchFamily="49" charset="0"/>
-              <a:cs typeface="Courier New" panose="02070309020205020404" pitchFamily="49" charset="0"/>
-            </a:endParaRPr>
+              <a:t>  }</a:t>
+            </a:r>
           </a:p>
           <a:p>
             <a:pPr>
@@ -22788,19 +22026,7 @@
               <a:rPr lang="en-US" altLang="en-US" sz="2400" dirty="0">
                 <a:latin typeface="Courier New" panose="02070309020205020404" pitchFamily="49" charset="0"/>
               </a:rPr>
-              <a:t>     </a:t>
-            </a:r>
-            <a:r>
-              <a:rPr lang="en-US" altLang="en-US" sz="2400" dirty="0" smtClean="0">
-                <a:latin typeface="Courier New" panose="02070309020205020404" pitchFamily="49" charset="0"/>
-              </a:rPr>
-              <a:t>while </a:t>
-            </a:r>
-            <a:r>
-              <a:rPr lang="en-US" altLang="en-US" sz="2400" dirty="0">
-                <a:latin typeface="Courier New" panose="02070309020205020404" pitchFamily="49" charset="0"/>
-              </a:rPr>
-              <a:t>(true) {</a:t>
+              <a:t>     while (true) {</a:t>
             </a:r>
             <a:br>
               <a:rPr lang="en-US" altLang="en-US" sz="2400" dirty="0">
@@ -22813,9 +22039,6 @@
               </a:rPr>
               <a:t>          </a:t>
             </a:r>
-            <a:endParaRPr lang="en-US" altLang="en-US" sz="2400" dirty="0" smtClean="0">
-              <a:latin typeface="Courier New" panose="02070309020205020404" pitchFamily="49" charset="0"/>
-            </a:endParaRPr>
           </a:p>
           <a:p>
             <a:pPr>
@@ -22826,22 +22049,31 @@
               <a:rPr lang="en-US" altLang="en-US" sz="2400" b="1" dirty="0">
                 <a:latin typeface="Courier New" panose="02070309020205020404" pitchFamily="49" charset="0"/>
               </a:rPr>
-              <a:t>	</a:t>
-            </a:r>
-            <a:r>
-              <a:rPr lang="en-US" altLang="en-US" sz="2400" b="1" dirty="0" smtClean="0">
-                <a:latin typeface="Courier New" panose="02070309020205020404" pitchFamily="49" charset="0"/>
-              </a:rPr>
-              <a:t>		wait(</a:t>
-            </a:r>
-            <a:r>
-              <a:rPr lang="en-US" altLang="en-US" sz="2400" b="1" dirty="0" err="1" smtClean="0">
+              <a:t>			</a:t>
+            </a:r>
+            <a:r>
+              <a:rPr lang="en-US" altLang="en-US" sz="2400" b="1" dirty="0">
+                <a:solidFill>
+                  <a:srgbClr val="0000FF"/>
+                </a:solidFill>
+                <a:latin typeface="Courier New" panose="02070309020205020404" pitchFamily="49" charset="0"/>
+              </a:rPr>
+              <a:t>wait(</a:t>
+            </a:r>
+            <a:r>
+              <a:rPr lang="en-US" altLang="en-US" sz="2400" b="1" dirty="0" err="1">
+                <a:solidFill>
+                  <a:srgbClr val="0000FF"/>
+                </a:solidFill>
                 <a:latin typeface="Courier New" panose="02070309020205020404" pitchFamily="49" charset="0"/>
               </a:rPr>
               <a:t>rw_mutex</a:t>
             </a:r>
             <a:r>
               <a:rPr lang="en-US" altLang="en-US" sz="2400" b="1" dirty="0">
+                <a:solidFill>
+                  <a:srgbClr val="0000FF"/>
+                </a:solidFill>
                 <a:latin typeface="Courier New" panose="02070309020205020404" pitchFamily="49" charset="0"/>
               </a:rPr>
               <a:t>); </a:t>
@@ -22891,16 +22123,31 @@
               <a:rPr lang="en-US" altLang="en-US" sz="2400" b="1" dirty="0">
                 <a:latin typeface="Courier New" panose="02070309020205020404" pitchFamily="49" charset="0"/>
               </a:rPr>
-              <a:t>          signal(</a:t>
+              <a:t>          </a:t>
+            </a:r>
+            <a:r>
+              <a:rPr lang="en-US" altLang="en-US" sz="2400" b="1" dirty="0">
+                <a:solidFill>
+                  <a:srgbClr val="0000FF"/>
+                </a:solidFill>
+                <a:latin typeface="Courier New" panose="02070309020205020404" pitchFamily="49" charset="0"/>
+              </a:rPr>
+              <a:t>signal(</a:t>
             </a:r>
             <a:r>
               <a:rPr lang="en-US" altLang="en-US" sz="2400" b="1" dirty="0" err="1">
+                <a:solidFill>
+                  <a:srgbClr val="0000FF"/>
+                </a:solidFill>
                 <a:latin typeface="Courier New" panose="02070309020205020404" pitchFamily="49" charset="0"/>
               </a:rPr>
               <a:t>rw_mutex</a:t>
             </a:r>
             <a:r>
               <a:rPr lang="en-US" altLang="en-US" sz="2400" b="1" dirty="0">
+                <a:solidFill>
+                  <a:srgbClr val="0000FF"/>
+                </a:solidFill>
                 <a:latin typeface="Courier New" panose="02070309020205020404" pitchFamily="49" charset="0"/>
               </a:rPr>
               <a:t>); </a:t>
